--- a/Poster.pptx
+++ b/Poster.pptx
@@ -216,7 +216,7 @@
             <a:fld id="{B10DFA1A-A6DC-49FE-AC90-AF8DDE39D246}" type="datetimeFigureOut">
               <a:rPr lang="en-IE" smtClean="0"/>
               <a:pPr/>
-              <a:t>25/03/2020</a:t>
+              <a:t>28/03/2020</a:t>
             </a:fld>
             <a:endParaRPr lang="en-IE" dirty="0"/>
           </a:p>
@@ -761,7 +761,7 @@
             <a:fld id="{B0453847-E237-403E-9063-D190CF7239DC}" type="datetimeFigureOut">
               <a:rPr lang="en-IE" smtClean="0"/>
               <a:pPr/>
-              <a:t>25/03/2020</a:t>
+              <a:t>28/03/2020</a:t>
             </a:fld>
             <a:endParaRPr lang="en-IE" dirty="0"/>
           </a:p>
@@ -928,7 +928,7 @@
             <a:fld id="{B0453847-E237-403E-9063-D190CF7239DC}" type="datetimeFigureOut">
               <a:rPr lang="en-IE" smtClean="0"/>
               <a:pPr/>
-              <a:t>25/03/2020</a:t>
+              <a:t>28/03/2020</a:t>
             </a:fld>
             <a:endParaRPr lang="en-IE" dirty="0"/>
           </a:p>
@@ -1105,7 +1105,7 @@
             <a:fld id="{B0453847-E237-403E-9063-D190CF7239DC}" type="datetimeFigureOut">
               <a:rPr lang="en-IE" smtClean="0"/>
               <a:pPr/>
-              <a:t>25/03/2020</a:t>
+              <a:t>28/03/2020</a:t>
             </a:fld>
             <a:endParaRPr lang="en-IE" dirty="0"/>
           </a:p>
@@ -1272,7 +1272,7 @@
             <a:fld id="{B0453847-E237-403E-9063-D190CF7239DC}" type="datetimeFigureOut">
               <a:rPr lang="en-IE" smtClean="0"/>
               <a:pPr/>
-              <a:t>25/03/2020</a:t>
+              <a:t>28/03/2020</a:t>
             </a:fld>
             <a:endParaRPr lang="en-IE" dirty="0"/>
           </a:p>
@@ -1515,7 +1515,7 @@
             <a:fld id="{B0453847-E237-403E-9063-D190CF7239DC}" type="datetimeFigureOut">
               <a:rPr lang="en-IE" smtClean="0"/>
               <a:pPr/>
-              <a:t>25/03/2020</a:t>
+              <a:t>28/03/2020</a:t>
             </a:fld>
             <a:endParaRPr lang="en-IE" dirty="0"/>
           </a:p>
@@ -1800,7 +1800,7 @@
             <a:fld id="{B0453847-E237-403E-9063-D190CF7239DC}" type="datetimeFigureOut">
               <a:rPr lang="en-IE" smtClean="0"/>
               <a:pPr/>
-              <a:t>25/03/2020</a:t>
+              <a:t>28/03/2020</a:t>
             </a:fld>
             <a:endParaRPr lang="en-IE" dirty="0"/>
           </a:p>
@@ -2219,7 +2219,7 @@
             <a:fld id="{B0453847-E237-403E-9063-D190CF7239DC}" type="datetimeFigureOut">
               <a:rPr lang="en-IE" smtClean="0"/>
               <a:pPr/>
-              <a:t>25/03/2020</a:t>
+              <a:t>28/03/2020</a:t>
             </a:fld>
             <a:endParaRPr lang="en-IE" dirty="0"/>
           </a:p>
@@ -2334,7 +2334,7 @@
             <a:fld id="{B0453847-E237-403E-9063-D190CF7239DC}" type="datetimeFigureOut">
               <a:rPr lang="en-IE" smtClean="0"/>
               <a:pPr/>
-              <a:t>25/03/2020</a:t>
+              <a:t>28/03/2020</a:t>
             </a:fld>
             <a:endParaRPr lang="en-IE" dirty="0"/>
           </a:p>
@@ -2426,7 +2426,7 @@
             <a:fld id="{B0453847-E237-403E-9063-D190CF7239DC}" type="datetimeFigureOut">
               <a:rPr lang="en-IE" smtClean="0"/>
               <a:pPr/>
-              <a:t>25/03/2020</a:t>
+              <a:t>28/03/2020</a:t>
             </a:fld>
             <a:endParaRPr lang="en-IE" dirty="0"/>
           </a:p>
@@ -2700,7 +2700,7 @@
             <a:fld id="{B0453847-E237-403E-9063-D190CF7239DC}" type="datetimeFigureOut">
               <a:rPr lang="en-IE" smtClean="0"/>
               <a:pPr/>
-              <a:t>25/03/2020</a:t>
+              <a:t>28/03/2020</a:t>
             </a:fld>
             <a:endParaRPr lang="en-IE" dirty="0"/>
           </a:p>
@@ -2950,7 +2950,7 @@
             <a:fld id="{B0453847-E237-403E-9063-D190CF7239DC}" type="datetimeFigureOut">
               <a:rPr lang="en-IE" smtClean="0"/>
               <a:pPr/>
-              <a:t>25/03/2020</a:t>
+              <a:t>28/03/2020</a:t>
             </a:fld>
             <a:endParaRPr lang="en-IE" dirty="0"/>
           </a:p>
@@ -3160,7 +3160,7 @@
             <a:fld id="{B0453847-E237-403E-9063-D190CF7239DC}" type="datetimeFigureOut">
               <a:rPr lang="en-IE" smtClean="0"/>
               <a:pPr/>
-              <a:t>25/03/2020</a:t>
+              <a:t>28/03/2020</a:t>
             </a:fld>
             <a:endParaRPr lang="en-IE" dirty="0"/>
           </a:p>
@@ -3539,8 +3539,8 @@
         </p:nvGrpSpPr>
         <p:grpSpPr>
           <a:xfrm>
-            <a:off x="863673" y="4396873"/>
-            <a:ext cx="19353539" cy="4232709"/>
+            <a:off x="863673" y="4396874"/>
+            <a:ext cx="19353539" cy="3518276"/>
             <a:chOff x="1241914" y="6446949"/>
             <a:chExt cx="28947216" cy="2810013"/>
           </a:xfrm>
@@ -3631,30 +3631,6 @@
           </p:txBody>
         </p:sp>
       </p:grpSp>
-      <p:pic>
-        <p:nvPicPr>
-          <p:cNvPr id="2" name="Picture 1" descr="CIT logo.jpg"/>
-          <p:cNvPicPr>
-            <a:picLocks noChangeAspect="1"/>
-          </p:cNvPicPr>
-          <p:nvPr/>
-        </p:nvPicPr>
-        <p:blipFill>
-          <a:blip r:embed="rId3" cstate="print"/>
-          <a:stretch>
-            <a:fillRect/>
-          </a:stretch>
-        </p:blipFill>
-        <p:spPr>
-          <a:xfrm>
-            <a:off x="13487" y="564660"/>
-            <a:ext cx="5602565" cy="3246086"/>
-          </a:xfrm>
-          <a:prstGeom prst="rect">
-            <a:avLst/>
-          </a:prstGeom>
-        </p:spPr>
-      </p:pic>
       <p:sp>
         <p:nvSpPr>
           <p:cNvPr id="4" name="TextBox 3"/>
@@ -3663,7 +3639,7 @@
         </p:nvSpPr>
         <p:spPr>
           <a:xfrm>
-            <a:off x="5369370" y="673429"/>
+            <a:off x="4534481" y="691306"/>
             <a:ext cx="11218092" cy="1754326"/>
           </a:xfrm>
           <a:prstGeom prst="rect">
@@ -3698,7 +3674,7 @@
         </p:nvSpPr>
         <p:spPr>
           <a:xfrm>
-            <a:off x="4987459" y="2344215"/>
+            <a:off x="3031722" y="2418294"/>
             <a:ext cx="13300745" cy="1323439"/>
           </a:xfrm>
           <a:prstGeom prst="rect">
@@ -3739,8 +3715,8 @@
         </p:nvSpPr>
         <p:spPr>
           <a:xfrm>
-            <a:off x="1766409" y="13044182"/>
-            <a:ext cx="7303702" cy="646331"/>
+            <a:off x="980211" y="22774845"/>
+            <a:ext cx="7119884" cy="646331"/>
           </a:xfrm>
           <a:prstGeom prst="rect">
             <a:avLst/>
@@ -3760,7 +3736,7 @@
                   <a:srgbClr val="D31245"/>
                 </a:solidFill>
               </a:rPr>
-              <a:t>How It Works</a:t>
+              <a:t>Technologies To be evaluated:</a:t>
             </a:r>
             <a:endParaRPr lang="en-IE" sz="3200" b="1" dirty="0">
               <a:solidFill>
@@ -3778,8 +3754,8 @@
         </p:nvSpPr>
         <p:spPr>
           <a:xfrm>
-            <a:off x="929859" y="12928827"/>
-            <a:ext cx="9670187" cy="6819166"/>
+            <a:off x="1063584" y="22785818"/>
+            <a:ext cx="19397325" cy="1495905"/>
           </a:xfrm>
           <a:prstGeom prst="roundRect">
             <a:avLst/>
@@ -3867,46 +3843,14 @@
       </p:sp>
       <p:sp>
         <p:nvSpPr>
-          <p:cNvPr id="41" name="TextBox 40"/>
-          <p:cNvSpPr txBox="1"/>
-          <p:nvPr/>
-        </p:nvSpPr>
-        <p:spPr>
-          <a:xfrm>
-            <a:off x="1407218" y="11652846"/>
-            <a:ext cx="8640321" cy="419474"/>
-          </a:xfrm>
-          <a:prstGeom prst="rect">
-            <a:avLst/>
-          </a:prstGeom>
-          <a:noFill/>
-        </p:spPr>
-        <p:txBody>
-          <a:bodyPr wrap="square" rtlCol="0">
-            <a:spAutoFit/>
-          </a:bodyPr>
-          <a:lstStyle/>
-          <a:p>
-            <a:r>
-              <a:rPr lang="en-IE" sz="2126" dirty="0">
-                <a:cs typeface="Times New Roman" pitchFamily="18" charset="0"/>
-              </a:rPr>
-              <a:t>.</a:t>
-            </a:r>
-            <a:endParaRPr lang="en-IE" sz="2126" dirty="0"/>
-          </a:p>
-        </p:txBody>
-      </p:sp>
-      <p:sp>
-        <p:nvSpPr>
           <p:cNvPr id="42" name="Rounded Rectangle 41"/>
           <p:cNvSpPr/>
           <p:nvPr/>
         </p:nvSpPr>
         <p:spPr>
           <a:xfrm>
-            <a:off x="929860" y="8964842"/>
-            <a:ext cx="19333301" cy="3690243"/>
+            <a:off x="915168" y="8223128"/>
+            <a:ext cx="19333301" cy="9109746"/>
           </a:xfrm>
           <a:prstGeom prst="roundRect">
             <a:avLst/>
@@ -3951,10 +3895,10 @@
         </p:nvGrpSpPr>
         <p:grpSpPr>
           <a:xfrm>
-            <a:off x="11420995" y="27392433"/>
-            <a:ext cx="9136484" cy="2641299"/>
-            <a:chOff x="18267527" y="39749445"/>
-            <a:chExt cx="10009115" cy="3527917"/>
+            <a:off x="11246198" y="27101979"/>
+            <a:ext cx="9136484" cy="2770741"/>
+            <a:chOff x="18267527" y="39561076"/>
+            <a:chExt cx="10009115" cy="4352609"/>
           </a:xfrm>
         </p:grpSpPr>
         <p:sp>
@@ -3965,7 +3909,7 @@
           </p:nvSpPr>
           <p:spPr>
             <a:xfrm>
-              <a:off x="18279469" y="39749445"/>
+              <a:off x="18267527" y="39561076"/>
               <a:ext cx="6696749" cy="1015333"/>
             </a:xfrm>
             <a:prstGeom prst="rect">
@@ -4005,7 +3949,7 @@
           <p:spPr>
             <a:xfrm>
               <a:off x="18267527" y="40674289"/>
-              <a:ext cx="10009115" cy="2603073"/>
+              <a:ext cx="10009115" cy="3239396"/>
             </a:xfrm>
             <a:prstGeom prst="rect">
               <a:avLst/>
@@ -4023,7 +3967,7 @@
                 <a:rPr lang="en-IE" sz="3200" dirty="0">
                   <a:cs typeface="Times New Roman" pitchFamily="18" charset="0"/>
                 </a:rPr>
-                <a:t>The authors would like to acknowledge the support of CIT Computer Science Department as well support from project supervisor Manuel Caballero in advising and providing data for the presented research.. </a:t>
+                <a:t>The authors would like to acknowledge the support of CIT Computer Science Department as well support from project supervisor Manuel Caballero in advising and providing data for the presented research.</a:t>
               </a:r>
             </a:p>
           </p:txBody>
@@ -4037,10 +3981,10 @@
         </p:nvGrpSpPr>
         <p:grpSpPr>
           <a:xfrm>
-            <a:off x="814151" y="24883058"/>
-            <a:ext cx="19473660" cy="2074285"/>
-            <a:chOff x="1228093" y="37264286"/>
-            <a:chExt cx="29409787" cy="2567137"/>
+            <a:off x="977596" y="24547684"/>
+            <a:ext cx="19483313" cy="2492001"/>
+            <a:chOff x="1228093" y="37518368"/>
+            <a:chExt cx="29409787" cy="2313055"/>
           </a:xfrm>
         </p:grpSpPr>
         <p:sp>
@@ -4051,8 +3995,8 @@
           </p:nvSpPr>
           <p:spPr>
             <a:xfrm>
-              <a:off x="1228093" y="37264286"/>
-              <a:ext cx="29409787" cy="2567137"/>
+              <a:off x="1228093" y="37518368"/>
+              <a:ext cx="29409787" cy="2313055"/>
             </a:xfrm>
             <a:prstGeom prst="roundRect">
               <a:avLst/>
@@ -4099,8 +4043,8 @@
           </p:nvSpPr>
           <p:spPr>
             <a:xfrm>
-              <a:off x="1478260" y="38042331"/>
-              <a:ext cx="28654622" cy="1658431"/>
+              <a:off x="1538030" y="38213023"/>
+              <a:ext cx="28731993" cy="1456946"/>
             </a:xfrm>
             <a:prstGeom prst="rect">
               <a:avLst/>
@@ -4122,13 +4066,13 @@
                 <a:buChar char="•"/>
               </a:pPr>
               <a:r>
-                <a:rPr lang="en-IE" sz="2400" dirty="0">
+                <a:rPr lang="en-IE" sz="3200" dirty="0">
                   <a:solidFill>
                     <a:schemeClr val="bg1"/>
                   </a:solidFill>
                   <a:cs typeface="Times New Roman" pitchFamily="18" charset="0"/>
                 </a:rPr>
-                <a:t>A home is a place where privacy is expected to be respected. there are three basic security concerns from the end-user point-of-view such as data confidentiality, data integrity, and data availability. Breaching any one of these three basic security areas may cause critical security problems to the smart home system.</a:t>
+                <a:t>Data confidentiality, integrity, and availability are three basic security concerns from the end-user point-of-view. The goal of this project is to evaluate and identify the vulnerabilities of a network based on IoT smart home devices and a useful tool to fix and minimise the vulnerabilities using a survey.</a:t>
               </a:r>
             </a:p>
           </p:txBody>
@@ -4141,8 +4085,8 @@
           </p:nvSpPr>
           <p:spPr>
             <a:xfrm>
-              <a:off x="1942694" y="37329345"/>
-              <a:ext cx="9212186" cy="880830"/>
+              <a:off x="1975459" y="37584762"/>
+              <a:ext cx="4729014" cy="599919"/>
             </a:xfrm>
             <a:prstGeom prst="rect">
               <a:avLst/>
@@ -4207,8 +4151,8 @@
         </p:nvSpPr>
         <p:spPr>
           <a:xfrm>
-            <a:off x="747400" y="27650587"/>
-            <a:ext cx="10513355" cy="2902333"/>
+            <a:off x="734175" y="27742212"/>
+            <a:ext cx="10024679" cy="2533001"/>
           </a:xfrm>
           <a:prstGeom prst="rect">
             <a:avLst/>
@@ -4226,23 +4170,7 @@
             </a:pPr>
             <a:r>
               <a:rPr lang="en-IE" sz="2400" dirty="0"/>
-              <a:t>B. Ali and A. </a:t>
-            </a:r>
-            <a:r>
-              <a:rPr lang="en-IE" sz="2400" dirty="0" err="1"/>
-              <a:t>Awad</a:t>
-            </a:r>
-            <a:r>
-              <a:rPr lang="en-IE" sz="2400" dirty="0"/>
-              <a:t>, “Cyber and physical security vulnerability assessment for </a:t>
-            </a:r>
-            <a:r>
-              <a:rPr lang="en-IE" sz="2400" dirty="0" err="1"/>
-              <a:t>iot</a:t>
-            </a:r>
-            <a:r>
-              <a:rPr lang="en-IE" sz="2400" dirty="0"/>
-              <a:t>-based smart homes,” Sensors, vol. 18, no. 3, p. 817, 2018.</a:t>
+              <a:t>B. Ali and A. Awad, “Cyber and physical security vulnerability assessment for iot-based smart homes,” Sensors, vol. 18, no. 3, p. 817, 2018.</a:t>
             </a:r>
           </a:p>
           <a:p>
@@ -4251,15 +4179,7 @@
             </a:pPr>
             <a:r>
               <a:rPr lang="en-IE" sz="2400" dirty="0"/>
-              <a:t>H. Lin and N. Bergmann, “</a:t>
-            </a:r>
-            <a:r>
-              <a:rPr lang="en-IE" sz="2400" dirty="0" err="1"/>
-              <a:t>Iot</a:t>
-            </a:r>
-            <a:r>
-              <a:rPr lang="en-IE" sz="2400" dirty="0"/>
-              <a:t> privacy and security challenges for smart home environments,” Information, vol. 7, no. 3, p. 44, 2016Etc. </a:t>
+              <a:t>H. Lin and N. Bergmann, “Iot privacy and security challenges for smart home environments,” Information, vol. 7, no. 3, p. 44, 2016Etc. </a:t>
             </a:r>
           </a:p>
           <a:p>
@@ -4268,35 +4188,11 @@
             </a:pPr>
             <a:r>
               <a:rPr lang="en-IE" sz="2400" dirty="0"/>
-              <a:t>M. </a:t>
-            </a:r>
-            <a:r>
-              <a:rPr lang="en-IE" sz="2400" dirty="0" err="1"/>
-              <a:t>Domb</a:t>
-            </a:r>
-            <a:r>
-              <a:rPr lang="en-IE" sz="2400" dirty="0"/>
-              <a:t>, “Smart home systems based on internet of things,” in IoT and Smart Home Automation. </a:t>
-            </a:r>
-            <a:r>
-              <a:rPr lang="en-IE" sz="2400" dirty="0" err="1"/>
-              <a:t>IntechOpen</a:t>
-            </a:r>
-            <a:r>
-              <a:rPr lang="en-IE" sz="2400" dirty="0"/>
-              <a:t>, 2019.</a:t>
-            </a:r>
-          </a:p>
-          <a:p>
-            <a:pPr marL="302778" indent="-302778">
-              <a:buAutoNum type="arabicPeriod"/>
-            </a:pPr>
-            <a:endParaRPr lang="en-IE" sz="2400" dirty="0"/>
-          </a:p>
-          <a:p>
-            <a:pPr marL="302778" indent="-302778">
-              <a:buAutoNum type="arabicPeriod"/>
-            </a:pPr>
+              <a:t>M. Domb, “Smart home systems based on internet of things,” in IoT and Smart Home Automation. IntechOpen, 2019.</a:t>
+            </a:r>
+          </a:p>
+          <a:p>
+            <a:pPr marL="175570" indent="-175570"/>
             <a:endParaRPr lang="en-IE" sz="1460" dirty="0"/>
           </a:p>
         </p:txBody>
@@ -4309,7 +4205,7 @@
         </p:nvSpPr>
         <p:spPr>
           <a:xfrm>
-            <a:off x="909024" y="26957343"/>
+            <a:off x="977596" y="27084829"/>
             <a:ext cx="3627977" cy="646331"/>
           </a:xfrm>
           <a:prstGeom prst="rect">
@@ -4342,8 +4238,8 @@
         </p:nvSpPr>
         <p:spPr>
           <a:xfrm>
-            <a:off x="1388370" y="20089218"/>
-            <a:ext cx="5823856" cy="646331"/>
+            <a:off x="11388853" y="17724459"/>
+            <a:ext cx="8500266" cy="646331"/>
           </a:xfrm>
           <a:prstGeom prst="rect">
             <a:avLst/>
@@ -4363,7 +4259,7 @@
                   <a:srgbClr val="D31245"/>
                 </a:solidFill>
               </a:rPr>
-              <a:t>Vulnerabilities on Each Layers</a:t>
+              <a:t>Designing smart home using packet tracer:</a:t>
             </a:r>
           </a:p>
         </p:txBody>
@@ -4415,7 +4311,7 @@
         </p:nvSpPr>
         <p:spPr>
           <a:xfrm>
-            <a:off x="1287323" y="5449727"/>
+            <a:off x="1331343" y="5203404"/>
             <a:ext cx="18202789" cy="2554545"/>
           </a:xfrm>
           <a:prstGeom prst="rect">
@@ -4437,7 +4333,7 @@
                 </a:solidFill>
                 <a:cs typeface="Times New Roman" pitchFamily="18" charset="0"/>
               </a:rPr>
-              <a:t>The Internet of things is the trending direction when it comes to designing a smart living environment. A smart home system usually consists of various types of connected sensors, actuators, appliances, and a controller that builds a dynamic heterogeneous architecture with the aim of efficiently managing home devices and providing to users advanced services. Security issues are the biggest concerns with IoT based smart homes, including privacy risks as well as vulnerable and unreliable devices.</a:t>
+              <a:t>The smart home is the fastest-growing field of IoT technology and it provides innovative, intelligent, ubiquitous and interactive services to users using different operations. Due to internet-connected, dynamic and heterogeneous nature, the smart home creates new security issues and challenges.  we investigate security attacks in smart homes and evaluate their impact on the overall system security by using an online survey to audit the level of security of a network based on IoT devices.</a:t>
             </a:r>
           </a:p>
         </p:txBody>
@@ -4450,8 +4346,8 @@
         </p:nvSpPr>
         <p:spPr>
           <a:xfrm>
-            <a:off x="929860" y="20023044"/>
-            <a:ext cx="19333301" cy="4572820"/>
+            <a:off x="977597" y="17578504"/>
+            <a:ext cx="9643556" cy="4951298"/>
           </a:xfrm>
           <a:prstGeom prst="roundRect">
             <a:avLst/>
@@ -4496,8 +4392,8 @@
         </p:nvSpPr>
         <p:spPr>
           <a:xfrm>
-            <a:off x="1766409" y="10070770"/>
-            <a:ext cx="4734909" cy="1200329"/>
+            <a:off x="1227783" y="8630314"/>
+            <a:ext cx="6135485" cy="1754326"/>
           </a:xfrm>
           <a:prstGeom prst="rect">
             <a:avLst/>
@@ -4517,7 +4413,7 @@
                   <a:srgbClr val="D31245"/>
                 </a:solidFill>
               </a:rPr>
-              <a:t>IoT-based Smart home Layers &amp; Protocols</a:t>
+              <a:t>IoT-based Smart home Layers, Protocols &amp; Vulnerabilities on Each Layer</a:t>
             </a:r>
           </a:p>
         </p:txBody>
@@ -4537,15 +4433,15 @@
           <p:nvPr/>
         </p:nvPicPr>
         <p:blipFill>
-          <a:blip r:embed="rId4"/>
+          <a:blip r:embed="rId3"/>
           <a:stretch>
             <a:fillRect/>
           </a:stretch>
         </p:blipFill>
         <p:spPr>
           <a:xfrm>
-            <a:off x="6978676" y="9341006"/>
-            <a:ext cx="1830290" cy="3039028"/>
+            <a:off x="2328181" y="11128161"/>
+            <a:ext cx="2579944" cy="3553568"/>
           </a:xfrm>
           <a:prstGeom prst="rect">
             <a:avLst/>
@@ -4567,45 +4463,15 @@
           <p:nvPr/>
         </p:nvPicPr>
         <p:blipFill>
-          <a:blip r:embed="rId5"/>
+          <a:blip r:embed="rId4"/>
           <a:stretch>
             <a:fillRect/>
           </a:stretch>
         </p:blipFill>
         <p:spPr>
           <a:xfrm>
-            <a:off x="12643525" y="9378385"/>
-            <a:ext cx="1736899" cy="3057464"/>
-          </a:xfrm>
-          <a:prstGeom prst="rect">
-            <a:avLst/>
-          </a:prstGeom>
-        </p:spPr>
-      </p:pic>
-      <p:pic>
-        <p:nvPicPr>
-          <p:cNvPr id="12" name="Picture 11">
-            <a:extLst>
-              <a:ext uri="{FF2B5EF4-FFF2-40B4-BE49-F238E27FC236}">
-                <a16:creationId xmlns:a16="http://schemas.microsoft.com/office/drawing/2014/main" id="{48F0BDE3-443D-403D-AE40-CC77EE9A3278}"/>
-              </a:ext>
-            </a:extLst>
-          </p:cNvPr>
-          <p:cNvPicPr>
-            <a:picLocks noChangeAspect="1"/>
-          </p:cNvPicPr>
-          <p:nvPr/>
-        </p:nvPicPr>
-        <p:blipFill>
-          <a:blip r:embed="rId6"/>
-          <a:stretch>
-            <a:fillRect/>
-          </a:stretch>
-        </p:blipFill>
-        <p:spPr>
-          <a:xfrm>
-            <a:off x="17993398" y="9362829"/>
-            <a:ext cx="1840134" cy="3057464"/>
+            <a:off x="9753303" y="11111664"/>
+            <a:ext cx="2580043" cy="3614997"/>
           </a:xfrm>
           <a:prstGeom prst="rect">
             <a:avLst/>
@@ -4627,15 +4493,15 @@
           <p:nvPr/>
         </p:nvPicPr>
         <p:blipFill>
-          <a:blip r:embed="rId7"/>
+          <a:blip r:embed="rId5"/>
           <a:stretch>
             <a:fillRect/>
           </a:stretch>
         </p:blipFill>
         <p:spPr>
           <a:xfrm>
-            <a:off x="16825973" y="10812951"/>
-            <a:ext cx="1167425" cy="377785"/>
+            <a:off x="15707644" y="12677718"/>
+            <a:ext cx="1298455" cy="442992"/>
           </a:xfrm>
           <a:prstGeom prst="rect">
             <a:avLst/>
@@ -4657,15 +4523,15 @@
           <p:nvPr/>
         </p:nvPicPr>
         <p:blipFill>
-          <a:blip r:embed="rId7"/>
+          <a:blip r:embed="rId5"/>
           <a:stretch>
             <a:fillRect/>
           </a:stretch>
         </p:blipFill>
         <p:spPr>
           <a:xfrm>
-            <a:off x="14303140" y="10794468"/>
-            <a:ext cx="1167425" cy="377785"/>
+            <a:off x="12235601" y="12683599"/>
+            <a:ext cx="1283443" cy="449811"/>
           </a:xfrm>
           <a:prstGeom prst="rect">
             <a:avLst/>
@@ -4687,15 +4553,15 @@
           <p:nvPr/>
         </p:nvPicPr>
         <p:blipFill>
-          <a:blip r:embed="rId7"/>
+          <a:blip r:embed="rId5"/>
           <a:stretch>
             <a:fillRect/>
           </a:stretch>
         </p:blipFill>
         <p:spPr>
           <a:xfrm>
-            <a:off x="11483930" y="10794468"/>
-            <a:ext cx="1167425" cy="377785"/>
+            <a:off x="8426899" y="12670899"/>
+            <a:ext cx="1403677" cy="449811"/>
           </a:xfrm>
           <a:prstGeom prst="rect">
             <a:avLst/>
@@ -4717,15 +4583,15 @@
           <p:nvPr/>
         </p:nvPicPr>
         <p:blipFill>
-          <a:blip r:embed="rId7"/>
+          <a:blip r:embed="rId5"/>
           <a:stretch>
             <a:fillRect/>
           </a:stretch>
         </p:blipFill>
         <p:spPr>
           <a:xfrm>
-            <a:off x="8806554" y="10683965"/>
-            <a:ext cx="1243398" cy="402370"/>
+            <a:off x="4837923" y="12677719"/>
+            <a:ext cx="1403677" cy="442991"/>
           </a:xfrm>
           <a:prstGeom prst="rect">
             <a:avLst/>
@@ -4747,6 +4613,263 @@
           <p:nvPr/>
         </p:nvPicPr>
         <p:blipFill>
+          <a:blip r:embed="rId6"/>
+          <a:stretch>
+            <a:fillRect/>
+          </a:stretch>
+        </p:blipFill>
+        <p:spPr>
+          <a:xfrm>
+            <a:off x="6156981" y="11128160"/>
+            <a:ext cx="2361883" cy="3553569"/>
+          </a:xfrm>
+          <a:prstGeom prst="rect">
+            <a:avLst/>
+          </a:prstGeom>
+        </p:spPr>
+      </p:pic>
+      <p:sp>
+        <p:nvSpPr>
+          <p:cNvPr id="47" name="TextBox 46">
+            <a:extLst>
+              <a:ext uri="{FF2B5EF4-FFF2-40B4-BE49-F238E27FC236}">
+                <a16:creationId xmlns:a16="http://schemas.microsoft.com/office/drawing/2014/main" id="{507B287F-895C-409E-9A17-8E0FA4C2BC94}"/>
+              </a:ext>
+            </a:extLst>
+          </p:cNvPr>
+          <p:cNvSpPr txBox="1"/>
+          <p:nvPr/>
+        </p:nvSpPr>
+        <p:spPr>
+          <a:xfrm>
+            <a:off x="2231984" y="15248582"/>
+            <a:ext cx="5481058" cy="1897186"/>
+          </a:xfrm>
+          <a:prstGeom prst="rect">
+            <a:avLst/>
+          </a:prstGeom>
+          <a:noFill/>
+        </p:spPr>
+        <p:txBody>
+          <a:bodyPr wrap="square" rtlCol="0">
+            <a:spAutoFit/>
+          </a:bodyPr>
+          <a:lstStyle/>
+          <a:p>
+            <a:r>
+              <a:rPr lang="en-IE" b="1" dirty="0"/>
+              <a:t>Vulnerabilities :</a:t>
+            </a:r>
+            <a:endParaRPr lang="en-IE" dirty="0"/>
+          </a:p>
+          <a:p>
+            <a:pPr marL="457200" indent="-457200">
+              <a:buFont typeface="Arial" panose="020B0604020202020204" pitchFamily="34" charset="0"/>
+              <a:buChar char="•"/>
+            </a:pPr>
+            <a:r>
+              <a:rPr lang="en-IE" dirty="0"/>
+              <a:t>Physical damage </a:t>
+            </a:r>
+          </a:p>
+          <a:p>
+            <a:pPr marL="457200" indent="-457200">
+              <a:buFont typeface="Arial" panose="020B0604020202020204" pitchFamily="34" charset="0"/>
+              <a:buChar char="•"/>
+            </a:pPr>
+            <a:r>
+              <a:rPr lang="en-IE" dirty="0"/>
+              <a:t>Node Tampering</a:t>
+            </a:r>
+          </a:p>
+          <a:p>
+            <a:pPr marL="457200" indent="-457200">
+              <a:buFont typeface="Arial" panose="020B0604020202020204" pitchFamily="34" charset="0"/>
+              <a:buChar char="•"/>
+            </a:pPr>
+            <a:r>
+              <a:rPr lang="en-IE" dirty="0"/>
+              <a:t>Malicious Code Injection Attack</a:t>
+            </a:r>
+          </a:p>
+        </p:txBody>
+      </p:sp>
+      <p:sp>
+        <p:nvSpPr>
+          <p:cNvPr id="48" name="TextBox 47">
+            <a:extLst>
+              <a:ext uri="{FF2B5EF4-FFF2-40B4-BE49-F238E27FC236}">
+                <a16:creationId xmlns:a16="http://schemas.microsoft.com/office/drawing/2014/main" id="{BC8E063A-3377-4DCB-B057-9FED8797B373}"/>
+              </a:ext>
+            </a:extLst>
+          </p:cNvPr>
+          <p:cNvSpPr txBox="1"/>
+          <p:nvPr/>
+        </p:nvSpPr>
+        <p:spPr>
+          <a:xfrm>
+            <a:off x="8995719" y="15305446"/>
+            <a:ext cx="4850552" cy="1897186"/>
+          </a:xfrm>
+          <a:prstGeom prst="rect">
+            <a:avLst/>
+          </a:prstGeom>
+          <a:noFill/>
+        </p:spPr>
+        <p:txBody>
+          <a:bodyPr wrap="square" rtlCol="0">
+            <a:spAutoFit/>
+          </a:bodyPr>
+          <a:lstStyle/>
+          <a:p>
+            <a:r>
+              <a:rPr lang="en-IE" b="1" dirty="0"/>
+              <a:t>Vulnerabilities:</a:t>
+            </a:r>
+          </a:p>
+          <a:p>
+            <a:pPr marL="457200" indent="-457200">
+              <a:buFont typeface="Arial" panose="020B0604020202020204" pitchFamily="34" charset="0"/>
+              <a:buChar char="•"/>
+            </a:pPr>
+            <a:r>
+              <a:rPr lang="en-IE" dirty="0"/>
+              <a:t>Dos Attack</a:t>
+            </a:r>
+          </a:p>
+          <a:p>
+            <a:pPr marL="457200" indent="-457200">
+              <a:buFont typeface="Arial" panose="020B0604020202020204" pitchFamily="34" charset="0"/>
+              <a:buChar char="•"/>
+            </a:pPr>
+            <a:r>
+              <a:rPr lang="en-IE" dirty="0"/>
+              <a:t>RFID Spoofing</a:t>
+            </a:r>
+          </a:p>
+          <a:p>
+            <a:pPr marL="457200" indent="-457200">
+              <a:buFont typeface="Arial" panose="020B0604020202020204" pitchFamily="34" charset="0"/>
+              <a:buChar char="•"/>
+            </a:pPr>
+            <a:r>
+              <a:rPr lang="en-IE" dirty="0"/>
+              <a:t>Routing information attack</a:t>
+            </a:r>
+          </a:p>
+        </p:txBody>
+      </p:sp>
+      <p:sp>
+        <p:nvSpPr>
+          <p:cNvPr id="49" name="TextBox 48">
+            <a:extLst>
+              <a:ext uri="{FF2B5EF4-FFF2-40B4-BE49-F238E27FC236}">
+                <a16:creationId xmlns:a16="http://schemas.microsoft.com/office/drawing/2014/main" id="{E53D9EA6-2BB7-4D54-89F3-8DD337354668}"/>
+              </a:ext>
+            </a:extLst>
+          </p:cNvPr>
+          <p:cNvSpPr txBox="1"/>
+          <p:nvPr/>
+        </p:nvSpPr>
+        <p:spPr>
+          <a:xfrm>
+            <a:off x="14551571" y="15330446"/>
+            <a:ext cx="4850552" cy="1897186"/>
+          </a:xfrm>
+          <a:prstGeom prst="rect">
+            <a:avLst/>
+          </a:prstGeom>
+          <a:noFill/>
+        </p:spPr>
+        <p:txBody>
+          <a:bodyPr wrap="square" rtlCol="0">
+            <a:spAutoFit/>
+          </a:bodyPr>
+          <a:lstStyle/>
+          <a:p>
+            <a:r>
+              <a:rPr lang="en-IE" b="1" dirty="0"/>
+              <a:t>Vulnerabilities :</a:t>
+            </a:r>
+            <a:endParaRPr lang="en-IE" dirty="0"/>
+          </a:p>
+          <a:p>
+            <a:pPr marL="457200" indent="-457200">
+              <a:buFont typeface="Arial" panose="020B0604020202020204" pitchFamily="34" charset="0"/>
+              <a:buChar char="•"/>
+            </a:pPr>
+            <a:r>
+              <a:rPr lang="en-IE" dirty="0"/>
+              <a:t>Sniffing Attack</a:t>
+            </a:r>
+          </a:p>
+          <a:p>
+            <a:pPr marL="457200" indent="-457200">
+              <a:buFont typeface="Arial" panose="020B0604020202020204" pitchFamily="34" charset="0"/>
+              <a:buChar char="•"/>
+            </a:pPr>
+            <a:r>
+              <a:rPr lang="en-IE" dirty="0"/>
+              <a:t>Phishing Attack</a:t>
+            </a:r>
+          </a:p>
+          <a:p>
+            <a:pPr marL="457200" indent="-457200">
+              <a:buFont typeface="Arial" panose="020B0604020202020204" pitchFamily="34" charset="0"/>
+              <a:buChar char="•"/>
+            </a:pPr>
+            <a:r>
+              <a:rPr lang="en-IE" dirty="0"/>
+              <a:t>Virus, Worms, Spyware</a:t>
+            </a:r>
+          </a:p>
+        </p:txBody>
+      </p:sp>
+      <p:pic>
+        <p:nvPicPr>
+          <p:cNvPr id="3" name="Picture 2">
+            <a:extLst>
+              <a:ext uri="{FF2B5EF4-FFF2-40B4-BE49-F238E27FC236}">
+                <a16:creationId xmlns:a16="http://schemas.microsoft.com/office/drawing/2014/main" id="{1635555A-EDEB-4D8B-A748-DF3202930268}"/>
+              </a:ext>
+            </a:extLst>
+          </p:cNvPr>
+          <p:cNvPicPr>
+            <a:picLocks noChangeAspect="1"/>
+          </p:cNvPicPr>
+          <p:nvPr/>
+        </p:nvPicPr>
+        <p:blipFill>
+          <a:blip r:embed="rId7"/>
+          <a:stretch>
+            <a:fillRect/>
+          </a:stretch>
+        </p:blipFill>
+        <p:spPr>
+          <a:xfrm>
+            <a:off x="13464633" y="11128160"/>
+            <a:ext cx="2287940" cy="3553568"/>
+          </a:xfrm>
+          <a:prstGeom prst="rect">
+            <a:avLst/>
+          </a:prstGeom>
+        </p:spPr>
+      </p:pic>
+      <p:pic>
+        <p:nvPicPr>
+          <p:cNvPr id="7" name="Picture 6">
+            <a:extLst>
+              <a:ext uri="{FF2B5EF4-FFF2-40B4-BE49-F238E27FC236}">
+                <a16:creationId xmlns:a16="http://schemas.microsoft.com/office/drawing/2014/main" id="{50782023-CA9B-47D0-92E7-3D56F6A34BE2}"/>
+              </a:ext>
+            </a:extLst>
+          </p:cNvPr>
+          <p:cNvPicPr>
+            <a:picLocks noChangeAspect="1"/>
+          </p:cNvPicPr>
+          <p:nvPr/>
+        </p:nvPicPr>
+        <p:blipFill>
           <a:blip r:embed="rId8"/>
           <a:stretch>
             <a:fillRect/>
@@ -4754,8 +4877,8 @@
         </p:blipFill>
         <p:spPr>
           <a:xfrm>
-            <a:off x="10047539" y="9350007"/>
-            <a:ext cx="1478486" cy="3017883"/>
+            <a:off x="16795760" y="723033"/>
+            <a:ext cx="3665150" cy="1461269"/>
           </a:xfrm>
           <a:prstGeom prst="rect">
             <a:avLst/>
@@ -4764,10 +4887,10 @@
       </p:pic>
       <p:pic>
         <p:nvPicPr>
-          <p:cNvPr id="16" name="Picture 15">
+          <p:cNvPr id="11" name="Picture 10">
             <a:extLst>
               <a:ext uri="{FF2B5EF4-FFF2-40B4-BE49-F238E27FC236}">
-                <a16:creationId xmlns:a16="http://schemas.microsoft.com/office/drawing/2014/main" id="{90CB7B90-8406-479B-81AE-2258C427B009}"/>
+                <a16:creationId xmlns:a16="http://schemas.microsoft.com/office/drawing/2014/main" id="{1C65A1BE-06F6-4D20-8718-3F66B15A797C}"/>
               </a:ext>
             </a:extLst>
           </p:cNvPr>
@@ -4784,396 +4907,20 @@
         </p:blipFill>
         <p:spPr>
           <a:xfrm>
-            <a:off x="15407549" y="9377885"/>
-            <a:ext cx="1545327" cy="3029585"/>
+            <a:off x="779840" y="723033"/>
+            <a:ext cx="3873448" cy="1461269"/>
           </a:xfrm>
           <a:prstGeom prst="rect">
             <a:avLst/>
           </a:prstGeom>
         </p:spPr>
       </p:pic>
-      <p:sp>
-        <p:nvSpPr>
-          <p:cNvPr id="18" name="TextBox 17">
+      <p:pic>
+        <p:nvPicPr>
+          <p:cNvPr id="19" name="Picture 18">
             <a:extLst>
               <a:ext uri="{FF2B5EF4-FFF2-40B4-BE49-F238E27FC236}">
-                <a16:creationId xmlns:a16="http://schemas.microsoft.com/office/drawing/2014/main" id="{C9D210E7-2D47-497F-B8A5-D955378BF6A3}"/>
-              </a:ext>
-            </a:extLst>
-          </p:cNvPr>
-          <p:cNvSpPr txBox="1"/>
-          <p:nvPr/>
-        </p:nvSpPr>
-        <p:spPr>
-          <a:xfrm>
-            <a:off x="1380156" y="20746622"/>
-            <a:ext cx="4716291" cy="3702039"/>
-          </a:xfrm>
-          <a:prstGeom prst="rect">
-            <a:avLst/>
-          </a:prstGeom>
-          <a:noFill/>
-        </p:spPr>
-        <p:txBody>
-          <a:bodyPr wrap="square" rtlCol="0">
-            <a:spAutoFit/>
-          </a:bodyPr>
-          <a:lstStyle/>
-          <a:p>
-            <a:r>
-              <a:rPr lang="en-IE" b="1" dirty="0"/>
-              <a:t>Perception Layer:</a:t>
-            </a:r>
-            <a:endParaRPr lang="en-IE" dirty="0"/>
-          </a:p>
-          <a:p>
-            <a:pPr marL="457200" indent="-457200">
-              <a:buFont typeface="Arial" panose="020B0604020202020204" pitchFamily="34" charset="0"/>
-              <a:buChar char="•"/>
-            </a:pPr>
-            <a:r>
-              <a:rPr lang="en-IE" dirty="0"/>
-              <a:t>Physical damage </a:t>
-            </a:r>
-          </a:p>
-          <a:p>
-            <a:pPr marL="457200" indent="-457200">
-              <a:buFont typeface="Arial" panose="020B0604020202020204" pitchFamily="34" charset="0"/>
-              <a:buChar char="•"/>
-            </a:pPr>
-            <a:r>
-              <a:rPr lang="en-IE" dirty="0"/>
-              <a:t>Node Tampering</a:t>
-            </a:r>
-          </a:p>
-          <a:p>
-            <a:pPr marL="457200" indent="-457200">
-              <a:buFont typeface="Arial" panose="020B0604020202020204" pitchFamily="34" charset="0"/>
-              <a:buChar char="•"/>
-            </a:pPr>
-            <a:r>
-              <a:rPr lang="en-IE" dirty="0"/>
-              <a:t>Side Channel Attack </a:t>
-            </a:r>
-          </a:p>
-          <a:p>
-            <a:pPr marL="457200" indent="-457200">
-              <a:buFont typeface="Arial" panose="020B0604020202020204" pitchFamily="34" charset="0"/>
-              <a:buChar char="•"/>
-            </a:pPr>
-            <a:r>
-              <a:rPr lang="en-IE" dirty="0"/>
-              <a:t>Sleep deprivation attack </a:t>
-            </a:r>
-          </a:p>
-          <a:p>
-            <a:pPr marL="457200" indent="-457200">
-              <a:buFont typeface="Arial" panose="020B0604020202020204" pitchFamily="34" charset="0"/>
-              <a:buChar char="•"/>
-            </a:pPr>
-            <a:r>
-              <a:rPr lang="en-IE" dirty="0"/>
-              <a:t>False Data Injection Attack</a:t>
-            </a:r>
-          </a:p>
-          <a:p>
-            <a:pPr marL="457200" indent="-457200">
-              <a:buFont typeface="Arial" panose="020B0604020202020204" pitchFamily="34" charset="0"/>
-              <a:buChar char="•"/>
-            </a:pPr>
-            <a:r>
-              <a:rPr lang="en-IE" dirty="0"/>
-              <a:t>Malicious Code Injection Attack</a:t>
-            </a:r>
-          </a:p>
-        </p:txBody>
-      </p:sp>
-      <p:sp>
-        <p:nvSpPr>
-          <p:cNvPr id="21" name="TextBox 20">
-            <a:extLst>
-              <a:ext uri="{FF2B5EF4-FFF2-40B4-BE49-F238E27FC236}">
-                <a16:creationId xmlns:a16="http://schemas.microsoft.com/office/drawing/2014/main" id="{CC646F67-F866-4A5F-A496-364E350C5482}"/>
-              </a:ext>
-            </a:extLst>
-          </p:cNvPr>
-          <p:cNvSpPr txBox="1"/>
-          <p:nvPr/>
-        </p:nvSpPr>
-        <p:spPr>
-          <a:xfrm>
-            <a:off x="6730761" y="20836575"/>
-            <a:ext cx="4850552" cy="3250826"/>
-          </a:xfrm>
-          <a:prstGeom prst="rect">
-            <a:avLst/>
-          </a:prstGeom>
-          <a:noFill/>
-        </p:spPr>
-        <p:txBody>
-          <a:bodyPr wrap="square" rtlCol="0">
-            <a:spAutoFit/>
-          </a:bodyPr>
-          <a:lstStyle/>
-          <a:p>
-            <a:r>
-              <a:rPr lang="en-IE" b="1" dirty="0"/>
-              <a:t>Network Layer:</a:t>
-            </a:r>
-          </a:p>
-          <a:p>
-            <a:pPr marL="457200" indent="-457200">
-              <a:buFont typeface="Arial" panose="020B0604020202020204" pitchFamily="34" charset="0"/>
-              <a:buChar char="•"/>
-            </a:pPr>
-            <a:r>
-              <a:rPr lang="en-IE" dirty="0"/>
-              <a:t>Dos Attack</a:t>
-            </a:r>
-          </a:p>
-          <a:p>
-            <a:pPr marL="457200" indent="-457200">
-              <a:buFont typeface="Arial" panose="020B0604020202020204" pitchFamily="34" charset="0"/>
-              <a:buChar char="•"/>
-            </a:pPr>
-            <a:r>
-              <a:rPr lang="en-IE" dirty="0"/>
-              <a:t>Sybil attack</a:t>
-            </a:r>
-          </a:p>
-          <a:p>
-            <a:pPr marL="457200" indent="-457200">
-              <a:buFont typeface="Arial" panose="020B0604020202020204" pitchFamily="34" charset="0"/>
-              <a:buChar char="•"/>
-            </a:pPr>
-            <a:r>
-              <a:rPr lang="en-IE" dirty="0"/>
-              <a:t>RFID Cloning </a:t>
-            </a:r>
-          </a:p>
-          <a:p>
-            <a:pPr marL="457200" indent="-457200">
-              <a:buFont typeface="Arial" panose="020B0604020202020204" pitchFamily="34" charset="0"/>
-              <a:buChar char="•"/>
-            </a:pPr>
-            <a:r>
-              <a:rPr lang="en-IE" dirty="0"/>
-              <a:t>RFID Spoofing</a:t>
-            </a:r>
-          </a:p>
-          <a:p>
-            <a:pPr marL="457200" indent="-457200">
-              <a:buFont typeface="Arial" panose="020B0604020202020204" pitchFamily="34" charset="0"/>
-              <a:buChar char="•"/>
-            </a:pPr>
-            <a:r>
-              <a:rPr lang="en-IE" dirty="0"/>
-              <a:t>Traffic Analysis attack</a:t>
-            </a:r>
-          </a:p>
-          <a:p>
-            <a:pPr marL="457200" indent="-457200">
-              <a:buFont typeface="Arial" panose="020B0604020202020204" pitchFamily="34" charset="0"/>
-              <a:buChar char="•"/>
-            </a:pPr>
-            <a:r>
-              <a:rPr lang="en-IE" dirty="0"/>
-              <a:t>Routing information attack</a:t>
-            </a:r>
-          </a:p>
-        </p:txBody>
-      </p:sp>
-      <p:sp>
-        <p:nvSpPr>
-          <p:cNvPr id="23" name="TextBox 22">
-            <a:extLst>
-              <a:ext uri="{FF2B5EF4-FFF2-40B4-BE49-F238E27FC236}">
-                <a16:creationId xmlns:a16="http://schemas.microsoft.com/office/drawing/2014/main" id="{217AB868-66C1-43D7-A88B-8F5CDFEFF451}"/>
-              </a:ext>
-            </a:extLst>
-          </p:cNvPr>
-          <p:cNvSpPr txBox="1"/>
-          <p:nvPr/>
-        </p:nvSpPr>
-        <p:spPr>
-          <a:xfrm>
-            <a:off x="11260755" y="20729915"/>
-            <a:ext cx="4514942" cy="3702039"/>
-          </a:xfrm>
-          <a:prstGeom prst="rect">
-            <a:avLst/>
-          </a:prstGeom>
-          <a:noFill/>
-        </p:spPr>
-        <p:txBody>
-          <a:bodyPr wrap="square" rtlCol="0">
-            <a:spAutoFit/>
-          </a:bodyPr>
-          <a:lstStyle/>
-          <a:p>
-            <a:r>
-              <a:rPr lang="en-IE" b="1" dirty="0"/>
-              <a:t>Application Layer:</a:t>
-            </a:r>
-            <a:endParaRPr lang="en-IE" dirty="0"/>
-          </a:p>
-          <a:p>
-            <a:pPr marL="457200" indent="-457200">
-              <a:buFont typeface="Arial" panose="020B0604020202020204" pitchFamily="34" charset="0"/>
-              <a:buChar char="•"/>
-            </a:pPr>
-            <a:r>
-              <a:rPr lang="en-IE" dirty="0"/>
-              <a:t>Sniffing Attack</a:t>
-            </a:r>
-          </a:p>
-          <a:p>
-            <a:pPr marL="457200" indent="-457200">
-              <a:buFont typeface="Arial" panose="020B0604020202020204" pitchFamily="34" charset="0"/>
-              <a:buChar char="•"/>
-            </a:pPr>
-            <a:r>
-              <a:rPr lang="en-IE" dirty="0"/>
-              <a:t>Phishing Attack</a:t>
-            </a:r>
-          </a:p>
-          <a:p>
-            <a:pPr marL="457200" indent="-457200">
-              <a:buFont typeface="Arial" panose="020B0604020202020204" pitchFamily="34" charset="0"/>
-              <a:buChar char="•"/>
-            </a:pPr>
-            <a:r>
-              <a:rPr lang="en-IE" dirty="0"/>
-              <a:t>Denial of Service Attack</a:t>
-            </a:r>
-          </a:p>
-          <a:p>
-            <a:pPr marL="457200" indent="-457200">
-              <a:buFont typeface="Arial" panose="020B0604020202020204" pitchFamily="34" charset="0"/>
-              <a:buChar char="•"/>
-            </a:pPr>
-            <a:r>
-              <a:rPr lang="en-IE" dirty="0"/>
-              <a:t>Malicious Code Injection</a:t>
-            </a:r>
-          </a:p>
-          <a:p>
-            <a:pPr marL="457200" indent="-457200">
-              <a:buFont typeface="Arial" panose="020B0604020202020204" pitchFamily="34" charset="0"/>
-              <a:buChar char="•"/>
-            </a:pPr>
-            <a:r>
-              <a:rPr lang="en-IE" dirty="0"/>
-              <a:t>Virus, Worms, Trojan horse, Spyware</a:t>
-            </a:r>
-          </a:p>
-          <a:p>
-            <a:endParaRPr lang="en-IE" dirty="0"/>
-          </a:p>
-        </p:txBody>
-      </p:sp>
-      <p:sp>
-        <p:nvSpPr>
-          <p:cNvPr id="24" name="TextBox 23">
-            <a:extLst>
-              <a:ext uri="{FF2B5EF4-FFF2-40B4-BE49-F238E27FC236}">
-                <a16:creationId xmlns:a16="http://schemas.microsoft.com/office/drawing/2014/main" id="{2693C89A-2AE3-4A45-8D14-1BAA518138BA}"/>
-              </a:ext>
-            </a:extLst>
-          </p:cNvPr>
-          <p:cNvSpPr txBox="1"/>
-          <p:nvPr/>
-        </p:nvSpPr>
-        <p:spPr>
-          <a:xfrm>
-            <a:off x="15897790" y="20725750"/>
-            <a:ext cx="4224919" cy="3702039"/>
-          </a:xfrm>
-          <a:prstGeom prst="rect">
-            <a:avLst/>
-          </a:prstGeom>
-          <a:noFill/>
-        </p:spPr>
-        <p:txBody>
-          <a:bodyPr wrap="square" rtlCol="0">
-            <a:spAutoFit/>
-          </a:bodyPr>
-          <a:lstStyle/>
-          <a:p>
-            <a:r>
-              <a:rPr lang="en-IE" b="1" dirty="0"/>
-              <a:t>Middleware Layers:</a:t>
-            </a:r>
-            <a:endParaRPr lang="en-IE" dirty="0"/>
-          </a:p>
-          <a:p>
-            <a:pPr marL="457200" indent="-457200">
-              <a:buFont typeface="Arial" panose="020B0604020202020204" pitchFamily="34" charset="0"/>
-              <a:buChar char="•"/>
-            </a:pPr>
-            <a:r>
-              <a:rPr lang="en-IE" dirty="0"/>
-              <a:t>Reply Attacks</a:t>
-            </a:r>
-          </a:p>
-          <a:p>
-            <a:pPr marL="457200" indent="-457200">
-              <a:buFont typeface="Arial" panose="020B0604020202020204" pitchFamily="34" charset="0"/>
-              <a:buChar char="•"/>
-            </a:pPr>
-            <a:r>
-              <a:rPr lang="en-IE" dirty="0"/>
-              <a:t>Wormhole Attacks</a:t>
-            </a:r>
-          </a:p>
-          <a:p>
-            <a:pPr marL="457200" indent="-457200">
-              <a:buFont typeface="Arial" panose="020B0604020202020204" pitchFamily="34" charset="0"/>
-              <a:buChar char="•"/>
-            </a:pPr>
-            <a:r>
-              <a:rPr lang="en-IE" dirty="0"/>
-              <a:t>Jamming Techniques</a:t>
-            </a:r>
-          </a:p>
-          <a:p>
-            <a:pPr marL="457200" indent="-457200">
-              <a:buFont typeface="Arial" panose="020B0604020202020204" pitchFamily="34" charset="0"/>
-              <a:buChar char="•"/>
-            </a:pPr>
-            <a:r>
-              <a:rPr lang="en-IE" dirty="0"/>
-              <a:t>Rogue access point</a:t>
-            </a:r>
-          </a:p>
-          <a:p>
-            <a:pPr marL="457200" indent="-457200">
-              <a:buFont typeface="Arial" panose="020B0604020202020204" pitchFamily="34" charset="0"/>
-              <a:buChar char="•"/>
-            </a:pPr>
-            <a:r>
-              <a:rPr lang="en-IE" dirty="0"/>
-              <a:t>Man in middle attacks</a:t>
-            </a:r>
-          </a:p>
-          <a:p>
-            <a:pPr marL="457200" indent="-457200">
-              <a:buFont typeface="Arial" panose="020B0604020202020204" pitchFamily="34" charset="0"/>
-              <a:buChar char="•"/>
-            </a:pPr>
-            <a:r>
-              <a:rPr lang="en-IE" dirty="0"/>
-              <a:t>Weak Password/open network </a:t>
-            </a:r>
-          </a:p>
-        </p:txBody>
-      </p:sp>
-      <p:pic>
-        <p:nvPicPr>
-          <p:cNvPr id="28" name="Picture 27">
-            <a:extLst>
-              <a:ext uri="{FF2B5EF4-FFF2-40B4-BE49-F238E27FC236}">
-                <a16:creationId xmlns:a16="http://schemas.microsoft.com/office/drawing/2014/main" id="{E58DB901-2FF0-470C-8192-8295F0304D54}"/>
+                <a16:creationId xmlns:a16="http://schemas.microsoft.com/office/drawing/2014/main" id="{1D6E4E52-94D5-4ECE-A7C9-79E9458F4A93}"/>
               </a:ext>
             </a:extLst>
           </p:cNvPr>
@@ -5190,110 +4937,20 @@
         </p:blipFill>
         <p:spPr>
           <a:xfrm>
-            <a:off x="15441769" y="18879617"/>
-            <a:ext cx="1061824" cy="610530"/>
+            <a:off x="16959034" y="11128160"/>
+            <a:ext cx="2579943" cy="3620082"/>
           </a:xfrm>
           <a:prstGeom prst="rect">
             <a:avLst/>
           </a:prstGeom>
         </p:spPr>
       </p:pic>
-      <p:pic>
-        <p:nvPicPr>
-          <p:cNvPr id="29" name="Picture 28">
+      <p:sp>
+        <p:nvSpPr>
+          <p:cNvPr id="80" name="TextBox 79">
             <a:extLst>
               <a:ext uri="{FF2B5EF4-FFF2-40B4-BE49-F238E27FC236}">
-                <a16:creationId xmlns:a16="http://schemas.microsoft.com/office/drawing/2014/main" id="{1F27132C-37BF-4052-8D04-9A5BD1450EFB}"/>
-              </a:ext>
-            </a:extLst>
-          </p:cNvPr>
-          <p:cNvPicPr>
-            <a:picLocks noChangeAspect="1"/>
-          </p:cNvPicPr>
-          <p:nvPr/>
-        </p:nvPicPr>
-        <p:blipFill>
-          <a:blip r:embed="rId11"/>
-          <a:stretch>
-            <a:fillRect/>
-          </a:stretch>
-        </p:blipFill>
-        <p:spPr>
-          <a:xfrm>
-            <a:off x="17772846" y="18200312"/>
-            <a:ext cx="1329369" cy="590093"/>
-          </a:xfrm>
-          <a:prstGeom prst="rect">
-            <a:avLst/>
-          </a:prstGeom>
-        </p:spPr>
-      </p:pic>
-      <p:pic>
-        <p:nvPicPr>
-          <p:cNvPr id="30" name="Picture 29">
-            <a:extLst>
-              <a:ext uri="{FF2B5EF4-FFF2-40B4-BE49-F238E27FC236}">
-                <a16:creationId xmlns:a16="http://schemas.microsoft.com/office/drawing/2014/main" id="{D1D8B559-A308-4B15-9496-93B28A917069}"/>
-              </a:ext>
-            </a:extLst>
-          </p:cNvPr>
-          <p:cNvPicPr>
-            <a:picLocks noChangeAspect="1"/>
-          </p:cNvPicPr>
-          <p:nvPr/>
-        </p:nvPicPr>
-        <p:blipFill>
-          <a:blip r:embed="rId12"/>
-          <a:stretch>
-            <a:fillRect/>
-          </a:stretch>
-        </p:blipFill>
-        <p:spPr>
-          <a:xfrm>
-            <a:off x="13904930" y="18319078"/>
-            <a:ext cx="1004991" cy="590092"/>
-          </a:xfrm>
-          <a:prstGeom prst="rect">
-            <a:avLst/>
-          </a:prstGeom>
-        </p:spPr>
-      </p:pic>
-      <p:pic>
-        <p:nvPicPr>
-          <p:cNvPr id="31" name="Picture 30">
-            <a:extLst>
-              <a:ext uri="{FF2B5EF4-FFF2-40B4-BE49-F238E27FC236}">
-                <a16:creationId xmlns:a16="http://schemas.microsoft.com/office/drawing/2014/main" id="{617721A2-DA85-4FA6-AC4A-8B38B6F3892F}"/>
-              </a:ext>
-            </a:extLst>
-          </p:cNvPr>
-          <p:cNvPicPr>
-            <a:picLocks noChangeAspect="1"/>
-          </p:cNvPicPr>
-          <p:nvPr/>
-        </p:nvPicPr>
-        <p:blipFill>
-          <a:blip r:embed="rId13"/>
-          <a:stretch>
-            <a:fillRect/>
-          </a:stretch>
-        </p:blipFill>
-        <p:spPr>
-          <a:xfrm>
-            <a:off x="15857647" y="18294483"/>
-            <a:ext cx="804932" cy="439935"/>
-          </a:xfrm>
-          <a:prstGeom prst="rect">
-            <a:avLst/>
-          </a:prstGeom>
-        </p:spPr>
-      </p:pic>
-      <p:sp>
-        <p:nvSpPr>
-          <p:cNvPr id="33" name="TextBox 32">
-            <a:extLst>
-              <a:ext uri="{FF2B5EF4-FFF2-40B4-BE49-F238E27FC236}">
-                <a16:creationId xmlns:a16="http://schemas.microsoft.com/office/drawing/2014/main" id="{65F317DC-5B40-4502-A963-D15B1E5C53C7}"/>
+                <a16:creationId xmlns:a16="http://schemas.microsoft.com/office/drawing/2014/main" id="{89B18104-C3B2-4F69-8292-A5BEA794DFC6}"/>
               </a:ext>
             </a:extLst>
           </p:cNvPr>
@@ -5302,8 +4959,8 @@
         </p:nvSpPr>
         <p:spPr>
           <a:xfrm>
-            <a:off x="1115318" y="13617381"/>
-            <a:ext cx="9435667" cy="5506892"/>
+            <a:off x="14596879" y="8585225"/>
+            <a:ext cx="4392611" cy="1897186"/>
           </a:xfrm>
           <a:prstGeom prst="rect">
             <a:avLst/>
@@ -5317,30 +4974,627 @@
           <a:lstStyle/>
           <a:p>
             <a:r>
+              <a:rPr lang="en-IE" b="1" dirty="0"/>
+              <a:t>Encryption Attacks:</a:t>
+            </a:r>
+            <a:endParaRPr lang="en-IE" dirty="0"/>
+          </a:p>
+          <a:p>
+            <a:pPr marL="457200" indent="-457200">
+              <a:buFont typeface="Arial" panose="020B0604020202020204" pitchFamily="34" charset="0"/>
+              <a:buChar char="•"/>
+            </a:pPr>
+            <a:r>
               <a:rPr lang="en-IE" dirty="0"/>
-              <a:t>The smart home system is divided into three main layers: application layer, network layer, and sensing layer. Starting from the sensing layer is responsible for data collection from all the home appliances and it sends data to the middle layer that is the network layer. The network layer uses the internet for sending data to the uppermost application layer which has different applications on a different level for different purposes.</a:t>
-            </a:r>
-          </a:p>
-          <a:p>
+              <a:t>Sniffing Attack</a:t>
+            </a:r>
+          </a:p>
+          <a:p>
+            <a:pPr marL="457200" indent="-457200">
+              <a:buFont typeface="Arial" panose="020B0604020202020204" pitchFamily="34" charset="0"/>
+              <a:buChar char="•"/>
+            </a:pPr>
             <a:r>
               <a:rPr lang="en-IE" dirty="0"/>
-              <a:t>Middleware Layers are consist of protocols to transfer data between main Layers securely. </a:t>
-            </a:r>
-          </a:p>
-          <a:p>
+              <a:t>Phishing Attack</a:t>
+            </a:r>
+          </a:p>
+          <a:p>
+            <a:pPr marL="457200" indent="-457200">
+              <a:buFont typeface="Arial" panose="020B0604020202020204" pitchFamily="34" charset="0"/>
+              <a:buChar char="•"/>
+            </a:pPr>
             <a:r>
               <a:rPr lang="en-IE" dirty="0"/>
-              <a:t>Encryption is used to prevent the data from being tampered with and to maintain confidentiality as well as data integrity.</a:t>
-            </a:r>
-          </a:p>
-        </p:txBody>
-      </p:sp>
-      <p:sp>
-        <p:nvSpPr>
-          <p:cNvPr id="47" name="Rounded Rectangle 31">
+              <a:t>Virus, Worms, Spyware</a:t>
+            </a:r>
+          </a:p>
+        </p:txBody>
+      </p:sp>
+      <p:sp>
+        <p:nvSpPr>
+          <p:cNvPr id="92" name="TextBox 91">
             <a:extLst>
               <a:ext uri="{FF2B5EF4-FFF2-40B4-BE49-F238E27FC236}">
-                <a16:creationId xmlns:a16="http://schemas.microsoft.com/office/drawing/2014/main" id="{62C7065B-A4BF-41E8-B2C9-991E2F58D510}"/>
+                <a16:creationId xmlns:a16="http://schemas.microsoft.com/office/drawing/2014/main" id="{5728D002-0D43-4B1C-B76C-401491C469EB}"/>
+              </a:ext>
+            </a:extLst>
+          </p:cNvPr>
+          <p:cNvSpPr txBox="1"/>
+          <p:nvPr/>
+        </p:nvSpPr>
+        <p:spPr>
+          <a:xfrm>
+            <a:off x="7817277" y="8501956"/>
+            <a:ext cx="4313442" cy="1897186"/>
+          </a:xfrm>
+          <a:prstGeom prst="rect">
+            <a:avLst/>
+          </a:prstGeom>
+          <a:noFill/>
+        </p:spPr>
+        <p:txBody>
+          <a:bodyPr wrap="square" rtlCol="0">
+            <a:spAutoFit/>
+          </a:bodyPr>
+          <a:lstStyle/>
+          <a:p>
+            <a:r>
+              <a:rPr lang="en-IE" b="1" dirty="0"/>
+              <a:t>Vulnerabilities:</a:t>
+            </a:r>
+            <a:endParaRPr lang="en-IE" dirty="0"/>
+          </a:p>
+          <a:p>
+            <a:pPr marL="457200" indent="-457200">
+              <a:buFont typeface="Arial" panose="020B0604020202020204" pitchFamily="34" charset="0"/>
+              <a:buChar char="•"/>
+            </a:pPr>
+            <a:r>
+              <a:rPr lang="en-IE" dirty="0"/>
+              <a:t>Reply Attack</a:t>
+            </a:r>
+          </a:p>
+          <a:p>
+            <a:pPr marL="457200" indent="-457200">
+              <a:buFont typeface="Arial" panose="020B0604020202020204" pitchFamily="34" charset="0"/>
+              <a:buChar char="•"/>
+            </a:pPr>
+            <a:r>
+              <a:rPr lang="en-IE" dirty="0"/>
+              <a:t>Weak Password</a:t>
+            </a:r>
+          </a:p>
+          <a:p>
+            <a:pPr marL="457200" indent="-457200">
+              <a:buFont typeface="Arial" panose="020B0604020202020204" pitchFamily="34" charset="0"/>
+              <a:buChar char="•"/>
+            </a:pPr>
+            <a:r>
+              <a:rPr lang="en-IE" dirty="0"/>
+              <a:t>Man in middle attacks</a:t>
+            </a:r>
+          </a:p>
+        </p:txBody>
+      </p:sp>
+      <p:cxnSp>
+        <p:nvCxnSpPr>
+          <p:cNvPr id="110" name="Connector: Elbow 109">
+            <a:extLst>
+              <a:ext uri="{FF2B5EF4-FFF2-40B4-BE49-F238E27FC236}">
+                <a16:creationId xmlns:a16="http://schemas.microsoft.com/office/drawing/2014/main" id="{BD20B5C7-54B6-44D5-94A0-11841ECA53E5}"/>
+              </a:ext>
+            </a:extLst>
+          </p:cNvPr>
+          <p:cNvCxnSpPr>
+            <a:cxnSpLocks/>
+          </p:cNvCxnSpPr>
+          <p:nvPr/>
+        </p:nvCxnSpPr>
+        <p:spPr>
+          <a:xfrm>
+            <a:off x="10157183" y="8807589"/>
+            <a:ext cx="3848189" cy="2347581"/>
+          </a:xfrm>
+          <a:prstGeom prst="bentConnector3">
+            <a:avLst>
+              <a:gd name="adj1" fmla="val 98514"/>
+            </a:avLst>
+          </a:prstGeom>
+          <a:ln>
+            <a:tailEnd type="triangle"/>
+          </a:ln>
+        </p:spPr>
+        <p:style>
+          <a:lnRef idx="1">
+            <a:schemeClr val="accent1"/>
+          </a:lnRef>
+          <a:fillRef idx="0">
+            <a:schemeClr val="accent1"/>
+          </a:fillRef>
+          <a:effectRef idx="0">
+            <a:schemeClr val="accent1"/>
+          </a:effectRef>
+          <a:fontRef idx="minor">
+            <a:schemeClr val="tx1"/>
+          </a:fontRef>
+        </p:style>
+      </p:cxnSp>
+      <p:cxnSp>
+        <p:nvCxnSpPr>
+          <p:cNvPr id="116" name="Connector: Elbow 115">
+            <a:extLst>
+              <a:ext uri="{FF2B5EF4-FFF2-40B4-BE49-F238E27FC236}">
+                <a16:creationId xmlns:a16="http://schemas.microsoft.com/office/drawing/2014/main" id="{8BF7FD40-3CFB-44AC-9209-795C92F79D0F}"/>
+              </a:ext>
+            </a:extLst>
+          </p:cNvPr>
+          <p:cNvCxnSpPr/>
+          <p:nvPr/>
+        </p:nvCxnSpPr>
+        <p:spPr>
+          <a:xfrm rot="5400000">
+            <a:off x="6403810" y="9698196"/>
+            <a:ext cx="2347581" cy="479355"/>
+          </a:xfrm>
+          <a:prstGeom prst="bentConnector3">
+            <a:avLst>
+              <a:gd name="adj1" fmla="val 1312"/>
+            </a:avLst>
+          </a:prstGeom>
+          <a:ln>
+            <a:tailEnd type="triangle"/>
+          </a:ln>
+        </p:spPr>
+        <p:style>
+          <a:lnRef idx="1">
+            <a:schemeClr val="accent1"/>
+          </a:lnRef>
+          <a:fillRef idx="0">
+            <a:schemeClr val="accent1"/>
+          </a:fillRef>
+          <a:effectRef idx="0">
+            <a:schemeClr val="accent1"/>
+          </a:effectRef>
+          <a:fontRef idx="minor">
+            <a:schemeClr val="tx1"/>
+          </a:fontRef>
+        </p:style>
+      </p:cxnSp>
+      <p:cxnSp>
+        <p:nvCxnSpPr>
+          <p:cNvPr id="131" name="Connector: Elbow 130">
+            <a:extLst>
+              <a:ext uri="{FF2B5EF4-FFF2-40B4-BE49-F238E27FC236}">
+                <a16:creationId xmlns:a16="http://schemas.microsoft.com/office/drawing/2014/main" id="{DA75A57D-E1F3-493B-A748-D035F6108DB1}"/>
+              </a:ext>
+            </a:extLst>
+          </p:cNvPr>
+          <p:cNvCxnSpPr>
+            <a:cxnSpLocks/>
+          </p:cNvCxnSpPr>
+          <p:nvPr/>
+        </p:nvCxnSpPr>
+        <p:spPr>
+          <a:xfrm rot="10800000" flipV="1">
+            <a:off x="7713047" y="8883777"/>
+            <a:ext cx="7006343" cy="1933348"/>
+          </a:xfrm>
+          <a:prstGeom prst="bentConnector3">
+            <a:avLst>
+              <a:gd name="adj1" fmla="val 33414"/>
+            </a:avLst>
+          </a:prstGeom>
+          <a:ln>
+            <a:solidFill>
+              <a:srgbClr val="FF0000"/>
+            </a:solidFill>
+          </a:ln>
+        </p:spPr>
+        <p:style>
+          <a:lnRef idx="1">
+            <a:schemeClr val="accent1"/>
+          </a:lnRef>
+          <a:fillRef idx="0">
+            <a:schemeClr val="accent1"/>
+          </a:fillRef>
+          <a:effectRef idx="0">
+            <a:schemeClr val="accent1"/>
+          </a:effectRef>
+          <a:fontRef idx="minor">
+            <a:schemeClr val="tx1"/>
+          </a:fontRef>
+        </p:style>
+      </p:cxnSp>
+      <p:cxnSp>
+        <p:nvCxnSpPr>
+          <p:cNvPr id="137" name="Straight Arrow Connector 136">
+            <a:extLst>
+              <a:ext uri="{FF2B5EF4-FFF2-40B4-BE49-F238E27FC236}">
+                <a16:creationId xmlns:a16="http://schemas.microsoft.com/office/drawing/2014/main" id="{8FE49175-37E8-43BA-B32E-7ABA7B697767}"/>
+              </a:ext>
+            </a:extLst>
+          </p:cNvPr>
+          <p:cNvCxnSpPr/>
+          <p:nvPr/>
+        </p:nvCxnSpPr>
+        <p:spPr>
+          <a:xfrm>
+            <a:off x="7713042" y="10820182"/>
+            <a:ext cx="0" cy="346174"/>
+          </a:xfrm>
+          <a:prstGeom prst="straightConnector1">
+            <a:avLst/>
+          </a:prstGeom>
+          <a:ln>
+            <a:solidFill>
+              <a:srgbClr val="FF0000"/>
+            </a:solidFill>
+            <a:tailEnd type="triangle"/>
+          </a:ln>
+        </p:spPr>
+        <p:style>
+          <a:lnRef idx="1">
+            <a:schemeClr val="accent1"/>
+          </a:lnRef>
+          <a:fillRef idx="0">
+            <a:schemeClr val="accent1"/>
+          </a:fillRef>
+          <a:effectRef idx="0">
+            <a:schemeClr val="accent1"/>
+          </a:effectRef>
+          <a:fontRef idx="minor">
+            <a:schemeClr val="tx1"/>
+          </a:fontRef>
+        </p:style>
+      </p:cxnSp>
+      <p:cxnSp>
+        <p:nvCxnSpPr>
+          <p:cNvPr id="139" name="Connector: Elbow 138">
+            <a:extLst>
+              <a:ext uri="{FF2B5EF4-FFF2-40B4-BE49-F238E27FC236}">
+                <a16:creationId xmlns:a16="http://schemas.microsoft.com/office/drawing/2014/main" id="{2D852650-1CEB-40C2-87A5-868D79867DF9}"/>
+              </a:ext>
+            </a:extLst>
+          </p:cNvPr>
+          <p:cNvCxnSpPr>
+            <a:cxnSpLocks/>
+          </p:cNvCxnSpPr>
+          <p:nvPr/>
+        </p:nvCxnSpPr>
+        <p:spPr>
+          <a:xfrm rot="5400000">
+            <a:off x="13286199" y="9743263"/>
+            <a:ext cx="2412368" cy="454012"/>
+          </a:xfrm>
+          <a:prstGeom prst="bentConnector3">
+            <a:avLst>
+              <a:gd name="adj1" fmla="val 8937"/>
+            </a:avLst>
+          </a:prstGeom>
+          <a:ln>
+            <a:solidFill>
+              <a:srgbClr val="FF0000"/>
+            </a:solidFill>
+            <a:tailEnd type="triangle"/>
+          </a:ln>
+        </p:spPr>
+        <p:style>
+          <a:lnRef idx="1">
+            <a:schemeClr val="accent1"/>
+          </a:lnRef>
+          <a:fillRef idx="0">
+            <a:schemeClr val="accent1"/>
+          </a:fillRef>
+          <a:effectRef idx="0">
+            <a:schemeClr val="accent1"/>
+          </a:effectRef>
+          <a:fontRef idx="minor">
+            <a:schemeClr val="tx1"/>
+          </a:fontRef>
+        </p:style>
+      </p:cxnSp>
+      <p:cxnSp>
+        <p:nvCxnSpPr>
+          <p:cNvPr id="152" name="Straight Arrow Connector 151">
+            <a:extLst>
+              <a:ext uri="{FF2B5EF4-FFF2-40B4-BE49-F238E27FC236}">
+                <a16:creationId xmlns:a16="http://schemas.microsoft.com/office/drawing/2014/main" id="{BBC85042-4CE2-46C4-B5C6-ECE16073F85B}"/>
+              </a:ext>
+            </a:extLst>
+          </p:cNvPr>
+          <p:cNvCxnSpPr>
+            <a:cxnSpLocks/>
+          </p:cNvCxnSpPr>
+          <p:nvPr/>
+        </p:nvCxnSpPr>
+        <p:spPr>
+          <a:xfrm flipV="1">
+            <a:off x="3419575" y="14681728"/>
+            <a:ext cx="0" cy="768904"/>
+          </a:xfrm>
+          <a:prstGeom prst="straightConnector1">
+            <a:avLst/>
+          </a:prstGeom>
+          <a:ln>
+            <a:tailEnd type="triangle"/>
+          </a:ln>
+        </p:spPr>
+        <p:style>
+          <a:lnRef idx="1">
+            <a:schemeClr val="accent1"/>
+          </a:lnRef>
+          <a:fillRef idx="0">
+            <a:schemeClr val="accent1"/>
+          </a:fillRef>
+          <a:effectRef idx="0">
+            <a:schemeClr val="accent1"/>
+          </a:effectRef>
+          <a:fontRef idx="minor">
+            <a:schemeClr val="tx1"/>
+          </a:fontRef>
+        </p:style>
+      </p:cxnSp>
+      <p:cxnSp>
+        <p:nvCxnSpPr>
+          <p:cNvPr id="156" name="Straight Arrow Connector 155">
+            <a:extLst>
+              <a:ext uri="{FF2B5EF4-FFF2-40B4-BE49-F238E27FC236}">
+                <a16:creationId xmlns:a16="http://schemas.microsoft.com/office/drawing/2014/main" id="{57491E06-5084-44ED-B95C-13CE89B162BB}"/>
+              </a:ext>
+            </a:extLst>
+          </p:cNvPr>
+          <p:cNvCxnSpPr/>
+          <p:nvPr/>
+        </p:nvCxnSpPr>
+        <p:spPr>
+          <a:xfrm flipV="1">
+            <a:off x="10432737" y="14681728"/>
+            <a:ext cx="0" cy="768904"/>
+          </a:xfrm>
+          <a:prstGeom prst="straightConnector1">
+            <a:avLst/>
+          </a:prstGeom>
+          <a:ln>
+            <a:tailEnd type="triangle"/>
+          </a:ln>
+        </p:spPr>
+        <p:style>
+          <a:lnRef idx="1">
+            <a:schemeClr val="accent1"/>
+          </a:lnRef>
+          <a:fillRef idx="0">
+            <a:schemeClr val="accent1"/>
+          </a:fillRef>
+          <a:effectRef idx="0">
+            <a:schemeClr val="accent1"/>
+          </a:effectRef>
+          <a:fontRef idx="minor">
+            <a:schemeClr val="tx1"/>
+          </a:fontRef>
+        </p:style>
+      </p:cxnSp>
+      <p:cxnSp>
+        <p:nvCxnSpPr>
+          <p:cNvPr id="158" name="Connector: Elbow 157">
+            <a:extLst>
+              <a:ext uri="{FF2B5EF4-FFF2-40B4-BE49-F238E27FC236}">
+                <a16:creationId xmlns:a16="http://schemas.microsoft.com/office/drawing/2014/main" id="{7ECCBD4E-966C-47CF-A065-4BD370A05708}"/>
+              </a:ext>
+            </a:extLst>
+          </p:cNvPr>
+          <p:cNvCxnSpPr>
+            <a:cxnSpLocks/>
+          </p:cNvCxnSpPr>
+          <p:nvPr/>
+        </p:nvCxnSpPr>
+        <p:spPr>
+          <a:xfrm flipV="1">
+            <a:off x="16976847" y="14726663"/>
+            <a:ext cx="1060352" cy="939761"/>
+          </a:xfrm>
+          <a:prstGeom prst="bentConnector3">
+            <a:avLst>
+              <a:gd name="adj1" fmla="val 105694"/>
+            </a:avLst>
+          </a:prstGeom>
+          <a:ln>
+            <a:tailEnd type="triangle"/>
+          </a:ln>
+        </p:spPr>
+        <p:style>
+          <a:lnRef idx="1">
+            <a:schemeClr val="accent1"/>
+          </a:lnRef>
+          <a:fillRef idx="0">
+            <a:schemeClr val="accent1"/>
+          </a:fillRef>
+          <a:effectRef idx="0">
+            <a:schemeClr val="accent1"/>
+          </a:effectRef>
+          <a:fontRef idx="minor">
+            <a:schemeClr val="tx1"/>
+          </a:fontRef>
+        </p:style>
+      </p:cxnSp>
+      <p:cxnSp>
+        <p:nvCxnSpPr>
+          <p:cNvPr id="2085" name="Straight Arrow Connector 2084">
+            <a:extLst>
+              <a:ext uri="{FF2B5EF4-FFF2-40B4-BE49-F238E27FC236}">
+                <a16:creationId xmlns:a16="http://schemas.microsoft.com/office/drawing/2014/main" id="{7A008D66-40ED-4A35-BCB2-5A99B5195E8C}"/>
+              </a:ext>
+            </a:extLst>
+          </p:cNvPr>
+          <p:cNvCxnSpPr>
+            <a:cxnSpLocks/>
+          </p:cNvCxnSpPr>
+          <p:nvPr/>
+        </p:nvCxnSpPr>
+        <p:spPr>
+          <a:xfrm flipV="1">
+            <a:off x="17707546" y="14693211"/>
+            <a:ext cx="0" cy="503332"/>
+          </a:xfrm>
+          <a:prstGeom prst="straightConnector1">
+            <a:avLst/>
+          </a:prstGeom>
+          <a:ln>
+            <a:solidFill>
+              <a:srgbClr val="00B050"/>
+            </a:solidFill>
+            <a:tailEnd type="triangle"/>
+          </a:ln>
+        </p:spPr>
+        <p:style>
+          <a:lnRef idx="1">
+            <a:schemeClr val="accent1"/>
+          </a:lnRef>
+          <a:fillRef idx="0">
+            <a:schemeClr val="accent1"/>
+          </a:fillRef>
+          <a:effectRef idx="0">
+            <a:schemeClr val="accent1"/>
+          </a:effectRef>
+          <a:fontRef idx="minor">
+            <a:schemeClr val="tx1"/>
+          </a:fontRef>
+        </p:style>
+      </p:cxnSp>
+      <p:cxnSp>
+        <p:nvCxnSpPr>
+          <p:cNvPr id="2096" name="Straight Arrow Connector 2095">
+            <a:extLst>
+              <a:ext uri="{FF2B5EF4-FFF2-40B4-BE49-F238E27FC236}">
+                <a16:creationId xmlns:a16="http://schemas.microsoft.com/office/drawing/2014/main" id="{33539544-7BB0-4C49-AD33-D9A4EAD3AB6F}"/>
+              </a:ext>
+            </a:extLst>
+          </p:cNvPr>
+          <p:cNvCxnSpPr/>
+          <p:nvPr/>
+        </p:nvCxnSpPr>
+        <p:spPr>
+          <a:xfrm flipV="1">
+            <a:off x="17476049" y="14693211"/>
+            <a:ext cx="0" cy="597159"/>
+          </a:xfrm>
+          <a:prstGeom prst="straightConnector1">
+            <a:avLst/>
+          </a:prstGeom>
+          <a:ln>
+            <a:solidFill>
+              <a:srgbClr val="FF0000"/>
+            </a:solidFill>
+            <a:tailEnd type="triangle"/>
+          </a:ln>
+        </p:spPr>
+        <p:style>
+          <a:lnRef idx="1">
+            <a:schemeClr val="accent1"/>
+          </a:lnRef>
+          <a:fillRef idx="0">
+            <a:schemeClr val="accent1"/>
+          </a:fillRef>
+          <a:effectRef idx="0">
+            <a:schemeClr val="accent1"/>
+          </a:effectRef>
+          <a:fontRef idx="minor">
+            <a:schemeClr val="tx1"/>
+          </a:fontRef>
+        </p:style>
+      </p:cxnSp>
+      <p:cxnSp>
+        <p:nvCxnSpPr>
+          <p:cNvPr id="2098" name="Connector: Elbow 2097">
+            <a:extLst>
+              <a:ext uri="{FF2B5EF4-FFF2-40B4-BE49-F238E27FC236}">
+                <a16:creationId xmlns:a16="http://schemas.microsoft.com/office/drawing/2014/main" id="{D4D19628-92BC-4C90-A41A-7EF4BC53255B}"/>
+              </a:ext>
+            </a:extLst>
+          </p:cNvPr>
+          <p:cNvCxnSpPr>
+            <a:cxnSpLocks/>
+          </p:cNvCxnSpPr>
+          <p:nvPr/>
+        </p:nvCxnSpPr>
+        <p:spPr>
+          <a:xfrm flipV="1">
+            <a:off x="11216218" y="15283528"/>
+            <a:ext cx="6259831" cy="708542"/>
+          </a:xfrm>
+          <a:prstGeom prst="bentConnector3">
+            <a:avLst/>
+          </a:prstGeom>
+          <a:ln>
+            <a:solidFill>
+              <a:srgbClr val="FF0000"/>
+            </a:solidFill>
+          </a:ln>
+        </p:spPr>
+        <p:style>
+          <a:lnRef idx="1">
+            <a:schemeClr val="accent1"/>
+          </a:lnRef>
+          <a:fillRef idx="0">
+            <a:schemeClr val="accent1"/>
+          </a:fillRef>
+          <a:effectRef idx="0">
+            <a:schemeClr val="accent1"/>
+          </a:effectRef>
+          <a:fontRef idx="minor">
+            <a:schemeClr val="tx1"/>
+          </a:fontRef>
+        </p:style>
+      </p:cxnSp>
+      <p:cxnSp>
+        <p:nvCxnSpPr>
+          <p:cNvPr id="2105" name="Connector: Elbow 2104">
+            <a:extLst>
+              <a:ext uri="{FF2B5EF4-FFF2-40B4-BE49-F238E27FC236}">
+                <a16:creationId xmlns:a16="http://schemas.microsoft.com/office/drawing/2014/main" id="{C0A8A977-877D-43DB-AB15-EEFA423EEB71}"/>
+              </a:ext>
+            </a:extLst>
+          </p:cNvPr>
+          <p:cNvCxnSpPr/>
+          <p:nvPr/>
+        </p:nvCxnSpPr>
+        <p:spPr>
+          <a:xfrm flipV="1">
+            <a:off x="7577600" y="15196543"/>
+            <a:ext cx="10129946" cy="1741263"/>
+          </a:xfrm>
+          <a:prstGeom prst="bentConnector3">
+            <a:avLst>
+              <a:gd name="adj1" fmla="val 8628"/>
+            </a:avLst>
+          </a:prstGeom>
+          <a:ln>
+            <a:solidFill>
+              <a:srgbClr val="00B050"/>
+            </a:solidFill>
+          </a:ln>
+        </p:spPr>
+        <p:style>
+          <a:lnRef idx="1">
+            <a:schemeClr val="accent1"/>
+          </a:lnRef>
+          <a:fillRef idx="0">
+            <a:schemeClr val="accent1"/>
+          </a:fillRef>
+          <a:effectRef idx="0">
+            <a:schemeClr val="accent1"/>
+          </a:effectRef>
+          <a:fontRef idx="minor">
+            <a:schemeClr val="tx1"/>
+          </a:fontRef>
+        </p:style>
+      </p:cxnSp>
+      <p:sp>
+        <p:nvSpPr>
+          <p:cNvPr id="220" name="Rounded Rectangle 31">
+            <a:extLst>
+              <a:ext uri="{FF2B5EF4-FFF2-40B4-BE49-F238E27FC236}">
+                <a16:creationId xmlns:a16="http://schemas.microsoft.com/office/drawing/2014/main" id="{C45E2974-D305-41EF-9B67-437F4940B4BE}"/>
               </a:ext>
             </a:extLst>
           </p:cNvPr>
@@ -5349,8 +5603,8 @@
         </p:nvSpPr>
         <p:spPr>
           <a:xfrm>
-            <a:off x="10894843" y="12928827"/>
-            <a:ext cx="9368318" cy="6807022"/>
+            <a:off x="11059193" y="17598198"/>
+            <a:ext cx="9404104" cy="4931604"/>
           </a:xfrm>
           <a:prstGeom prst="roundRect">
             <a:avLst/>
@@ -5387,52 +5641,102 @@
           </a:p>
         </p:txBody>
       </p:sp>
-      <p:sp>
-        <p:nvSpPr>
-          <p:cNvPr id="11" name="TextBox 10">
+      <p:pic>
+        <p:nvPicPr>
+          <p:cNvPr id="222" name="Picture 221">
             <a:extLst>
               <a:ext uri="{FF2B5EF4-FFF2-40B4-BE49-F238E27FC236}">
-                <a16:creationId xmlns:a16="http://schemas.microsoft.com/office/drawing/2014/main" id="{775782B6-43EA-4C20-B007-B119BFE3728E}"/>
+                <a16:creationId xmlns:a16="http://schemas.microsoft.com/office/drawing/2014/main" id="{915D77A0-B497-46E5-96FF-997CD97E2D71}"/>
               </a:ext>
             </a:extLst>
           </p:cNvPr>
-          <p:cNvSpPr txBox="1"/>
+          <p:cNvPicPr>
+            <a:picLocks noChangeAspect="1"/>
+          </p:cNvPicPr>
           <p:nvPr/>
-        </p:nvSpPr>
-        <p:spPr>
-          <a:xfrm>
-            <a:off x="11378326" y="17607833"/>
-            <a:ext cx="3884534" cy="584775"/>
+        </p:nvPicPr>
+        <p:blipFill>
+          <a:blip r:embed="rId11"/>
+          <a:stretch>
+            <a:fillRect/>
+          </a:stretch>
+        </p:blipFill>
+        <p:spPr>
+          <a:xfrm>
+            <a:off x="3040070" y="23485734"/>
+            <a:ext cx="1255455" cy="590092"/>
           </a:xfrm>
           <a:prstGeom prst="rect">
             <a:avLst/>
           </a:prstGeom>
-          <a:noFill/>
-        </p:spPr>
-        <p:txBody>
-          <a:bodyPr wrap="square" rtlCol="0">
-            <a:spAutoFit/>
-          </a:bodyPr>
-          <a:lstStyle/>
-          <a:p>
-            <a:r>
-              <a:rPr lang="en-IE" sz="3200" b="1" dirty="0">
-                <a:solidFill>
-                  <a:srgbClr val="D31245"/>
-                </a:solidFill>
-              </a:rPr>
-              <a:t>Technologies used </a:t>
-            </a:r>
-            <a:endParaRPr lang="en-IE" dirty="0"/>
-          </a:p>
-        </p:txBody>
-      </p:sp>
+        </p:spPr>
+      </p:pic>
       <p:pic>
         <p:nvPicPr>
-          <p:cNvPr id="17" name="Picture 16">
+          <p:cNvPr id="223" name="Picture 222">
             <a:extLst>
               <a:ext uri="{FF2B5EF4-FFF2-40B4-BE49-F238E27FC236}">
-                <a16:creationId xmlns:a16="http://schemas.microsoft.com/office/drawing/2014/main" id="{11FB6CC8-D4C5-4B23-A674-103DB310789B}"/>
+                <a16:creationId xmlns:a16="http://schemas.microsoft.com/office/drawing/2014/main" id="{5F6C1007-A331-42AD-A88C-8236FF59245B}"/>
+              </a:ext>
+            </a:extLst>
+          </p:cNvPr>
+          <p:cNvPicPr>
+            <a:picLocks noChangeAspect="1"/>
+          </p:cNvPicPr>
+          <p:nvPr/>
+        </p:nvPicPr>
+        <p:blipFill>
+          <a:blip r:embed="rId12"/>
+          <a:stretch>
+            <a:fillRect/>
+          </a:stretch>
+        </p:blipFill>
+        <p:spPr>
+          <a:xfrm>
+            <a:off x="1618226" y="23509317"/>
+            <a:ext cx="1004991" cy="525495"/>
+          </a:xfrm>
+          <a:prstGeom prst="rect">
+            <a:avLst/>
+          </a:prstGeom>
+        </p:spPr>
+      </p:pic>
+      <p:pic>
+        <p:nvPicPr>
+          <p:cNvPr id="224" name="Picture 223">
+            <a:extLst>
+              <a:ext uri="{FF2B5EF4-FFF2-40B4-BE49-F238E27FC236}">
+                <a16:creationId xmlns:a16="http://schemas.microsoft.com/office/drawing/2014/main" id="{E5E50126-09BB-433C-BCEA-4587B594F6DD}"/>
+              </a:ext>
+            </a:extLst>
+          </p:cNvPr>
+          <p:cNvPicPr>
+            <a:picLocks noChangeAspect="1"/>
+          </p:cNvPicPr>
+          <p:nvPr/>
+        </p:nvPicPr>
+        <p:blipFill>
+          <a:blip r:embed="rId13"/>
+          <a:stretch>
+            <a:fillRect/>
+          </a:stretch>
+        </p:blipFill>
+        <p:spPr>
+          <a:xfrm>
+            <a:off x="4741523" y="23509317"/>
+            <a:ext cx="1004991" cy="642681"/>
+          </a:xfrm>
+          <a:prstGeom prst="rect">
+            <a:avLst/>
+          </a:prstGeom>
+        </p:spPr>
+      </p:pic>
+      <p:pic>
+        <p:nvPicPr>
+          <p:cNvPr id="2108" name="Picture 2107">
+            <a:extLst>
+              <a:ext uri="{FF2B5EF4-FFF2-40B4-BE49-F238E27FC236}">
+                <a16:creationId xmlns:a16="http://schemas.microsoft.com/office/drawing/2014/main" id="{4AA78FA1-11AA-43C0-9708-97B2AD080C33}"/>
               </a:ext>
             </a:extLst>
           </p:cNvPr>
@@ -5449,8 +5753,8 @@
         </p:blipFill>
         <p:spPr>
           <a:xfrm>
-            <a:off x="12399334" y="18255962"/>
-            <a:ext cx="651274" cy="385670"/>
+            <a:off x="6133471" y="23457357"/>
+            <a:ext cx="1856112" cy="689384"/>
           </a:xfrm>
           <a:prstGeom prst="rect">
             <a:avLst/>
@@ -5459,10 +5763,10 @@
       </p:pic>
       <p:pic>
         <p:nvPicPr>
-          <p:cNvPr id="19" name="Picture 18">
+          <p:cNvPr id="2109" name="Picture 2108">
             <a:extLst>
               <a:ext uri="{FF2B5EF4-FFF2-40B4-BE49-F238E27FC236}">
-                <a16:creationId xmlns:a16="http://schemas.microsoft.com/office/drawing/2014/main" id="{DD7BFC56-C9B3-4208-A4AB-B63E2FC44C6D}"/>
+                <a16:creationId xmlns:a16="http://schemas.microsoft.com/office/drawing/2014/main" id="{80AD9B1F-F4C5-4FEF-BFBD-448E5295B846}"/>
               </a:ext>
             </a:extLst>
           </p:cNvPr>
@@ -5479,20 +5783,65 @@
         </p:blipFill>
         <p:spPr>
           <a:xfrm>
-            <a:off x="11886862" y="18783047"/>
-            <a:ext cx="756663" cy="665714"/>
+            <a:off x="8553902" y="23361029"/>
+            <a:ext cx="1491540" cy="671210"/>
           </a:xfrm>
           <a:prstGeom prst="rect">
             <a:avLst/>
           </a:prstGeom>
         </p:spPr>
       </p:pic>
+      <p:sp>
+        <p:nvSpPr>
+          <p:cNvPr id="228" name="TextBox 227">
+            <a:extLst>
+              <a:ext uri="{FF2B5EF4-FFF2-40B4-BE49-F238E27FC236}">
+                <a16:creationId xmlns:a16="http://schemas.microsoft.com/office/drawing/2014/main" id="{1B306429-D81C-4CAF-BE03-3C2702758739}"/>
+              </a:ext>
+            </a:extLst>
+          </p:cNvPr>
+          <p:cNvSpPr txBox="1"/>
+          <p:nvPr/>
+        </p:nvSpPr>
+        <p:spPr>
+          <a:xfrm>
+            <a:off x="11475523" y="22832023"/>
+            <a:ext cx="2397983" cy="646331"/>
+          </a:xfrm>
+          <a:prstGeom prst="rect">
+            <a:avLst/>
+          </a:prstGeom>
+          <a:noFill/>
+        </p:spPr>
+        <p:txBody>
+          <a:bodyPr wrap="square" rtlCol="0">
+            <a:spAutoFit/>
+          </a:bodyPr>
+          <a:lstStyle/>
+          <a:p>
+            <a:pPr algn="ctr"/>
+            <a:r>
+              <a:rPr lang="en-IE" sz="3600" b="1" dirty="0">
+                <a:solidFill>
+                  <a:srgbClr val="D31245"/>
+                </a:solidFill>
+              </a:rPr>
+              <a:t>Tools Used:</a:t>
+            </a:r>
+            <a:endParaRPr lang="en-IE" sz="3200" b="1" dirty="0">
+              <a:solidFill>
+                <a:srgbClr val="D31245"/>
+              </a:solidFill>
+            </a:endParaRPr>
+          </a:p>
+        </p:txBody>
+      </p:sp>
       <p:pic>
         <p:nvPicPr>
-          <p:cNvPr id="20" name="Picture 19">
+          <p:cNvPr id="229" name="Picture 228">
             <a:extLst>
               <a:ext uri="{FF2B5EF4-FFF2-40B4-BE49-F238E27FC236}">
-                <a16:creationId xmlns:a16="http://schemas.microsoft.com/office/drawing/2014/main" id="{F8211BEF-DD7C-4EAC-89B9-34922C83589C}"/>
+                <a16:creationId xmlns:a16="http://schemas.microsoft.com/office/drawing/2014/main" id="{2F0A50B3-613A-43A5-85F1-8C10F9B2A416}"/>
               </a:ext>
             </a:extLst>
           </p:cNvPr>
@@ -5509,8 +5858,8 @@
         </p:blipFill>
         <p:spPr>
           <a:xfrm>
-            <a:off x="13375432" y="18971177"/>
-            <a:ext cx="1004992" cy="584775"/>
+            <a:off x="11730101" y="23395553"/>
+            <a:ext cx="1329369" cy="707293"/>
           </a:xfrm>
           <a:prstGeom prst="rect">
             <a:avLst/>
@@ -5519,10 +5868,10 @@
       </p:pic>
       <p:pic>
         <p:nvPicPr>
-          <p:cNvPr id="25" name="Picture 24">
+          <p:cNvPr id="230" name="Picture 229">
             <a:extLst>
               <a:ext uri="{FF2B5EF4-FFF2-40B4-BE49-F238E27FC236}">
-                <a16:creationId xmlns:a16="http://schemas.microsoft.com/office/drawing/2014/main" id="{3E383000-F8B5-40E1-AA08-EB98B5333D39}"/>
+                <a16:creationId xmlns:a16="http://schemas.microsoft.com/office/drawing/2014/main" id="{7D0F1137-64D6-418F-8061-6C95B39FC206}"/>
               </a:ext>
             </a:extLst>
           </p:cNvPr>
@@ -5539,112 +5888,20 @@
         </p:blipFill>
         <p:spPr>
           <a:xfrm>
-            <a:off x="17571925" y="18981870"/>
-            <a:ext cx="1329369" cy="541177"/>
+            <a:off x="16406987" y="23417618"/>
+            <a:ext cx="1534386" cy="675091"/>
           </a:xfrm>
           <a:prstGeom prst="rect">
             <a:avLst/>
           </a:prstGeom>
         </p:spPr>
       </p:pic>
-      <p:sp>
-        <p:nvSpPr>
-          <p:cNvPr id="34" name="TextBox 33">
+      <p:pic>
+        <p:nvPicPr>
+          <p:cNvPr id="231" name="Picture 230">
             <a:extLst>
               <a:ext uri="{FF2B5EF4-FFF2-40B4-BE49-F238E27FC236}">
-                <a16:creationId xmlns:a16="http://schemas.microsoft.com/office/drawing/2014/main" id="{DD4F45B1-DDC9-4608-8145-795CE348009A}"/>
-              </a:ext>
-            </a:extLst>
-          </p:cNvPr>
-          <p:cNvSpPr txBox="1"/>
-          <p:nvPr/>
-        </p:nvSpPr>
-        <p:spPr>
-          <a:xfrm>
-            <a:off x="11625128" y="13195481"/>
-            <a:ext cx="5919670" cy="584775"/>
-          </a:xfrm>
-          <a:prstGeom prst="rect">
-            <a:avLst/>
-          </a:prstGeom>
-          <a:noFill/>
-        </p:spPr>
-        <p:txBody>
-          <a:bodyPr wrap="square" rtlCol="0">
-            <a:spAutoFit/>
-          </a:bodyPr>
-          <a:lstStyle/>
-          <a:p>
-            <a:r>
-              <a:rPr lang="en-IE" sz="3200" b="1" dirty="0">
-                <a:solidFill>
-                  <a:srgbClr val="D31245"/>
-                </a:solidFill>
-              </a:rPr>
-              <a:t>Encryption Security Mechanism </a:t>
-            </a:r>
-            <a:endParaRPr lang="en-IE" dirty="0"/>
-          </a:p>
-        </p:txBody>
-      </p:sp>
-      <p:sp>
-        <p:nvSpPr>
-          <p:cNvPr id="57" name="Rounded Rectangle 41">
-            <a:extLst>
-              <a:ext uri="{FF2B5EF4-FFF2-40B4-BE49-F238E27FC236}">
-                <a16:creationId xmlns:a16="http://schemas.microsoft.com/office/drawing/2014/main" id="{E2A5BD62-1E69-4351-91E7-686B06F96D0D}"/>
-              </a:ext>
-            </a:extLst>
-          </p:cNvPr>
-          <p:cNvSpPr/>
-          <p:nvPr/>
-        </p:nvSpPr>
-        <p:spPr>
-          <a:xfrm>
-            <a:off x="977589" y="8964842"/>
-            <a:ext cx="19333301" cy="3690243"/>
-          </a:xfrm>
-          <a:prstGeom prst="roundRect">
-            <a:avLst/>
-          </a:prstGeom>
-          <a:noFill/>
-          <a:ln w="190500">
-            <a:solidFill>
-              <a:srgbClr val="005596"/>
-            </a:solidFill>
-          </a:ln>
-        </p:spPr>
-        <p:style>
-          <a:lnRef idx="2">
-            <a:schemeClr val="accent1">
-              <a:shade val="50000"/>
-            </a:schemeClr>
-          </a:lnRef>
-          <a:fillRef idx="1">
-            <a:schemeClr val="accent1"/>
-          </a:fillRef>
-          <a:effectRef idx="0">
-            <a:schemeClr val="accent1"/>
-          </a:effectRef>
-          <a:fontRef idx="minor">
-            <a:schemeClr val="lt1"/>
-          </a:fontRef>
-        </p:style>
-        <p:txBody>
-          <a:bodyPr rtlCol="0" anchor="ctr"/>
-          <a:lstStyle/>
-          <a:p>
-            <a:pPr algn="ctr"/>
-            <a:endParaRPr lang="en-IE" sz="993" dirty="0"/>
-          </a:p>
-        </p:txBody>
-      </p:sp>
-      <p:pic>
-        <p:nvPicPr>
-          <p:cNvPr id="58" name="Picture 57">
-            <a:extLst>
-              <a:ext uri="{FF2B5EF4-FFF2-40B4-BE49-F238E27FC236}">
-                <a16:creationId xmlns:a16="http://schemas.microsoft.com/office/drawing/2014/main" id="{8913D91D-A1A3-4FC6-A851-7E3F5D75A37A}"/>
+                <a16:creationId xmlns:a16="http://schemas.microsoft.com/office/drawing/2014/main" id="{24D596D7-F87A-4251-B851-DFABDCFAED92}"/>
               </a:ext>
             </a:extLst>
           </p:cNvPr>
@@ -5661,8 +5918,161 @@
         </p:blipFill>
         <p:spPr>
           <a:xfrm>
-            <a:off x="11581313" y="13802956"/>
-            <a:ext cx="7319981" cy="3780103"/>
+            <a:off x="14001727" y="23416001"/>
+            <a:ext cx="1856112" cy="707261"/>
+          </a:xfrm>
+          <a:prstGeom prst="rect">
+            <a:avLst/>
+          </a:prstGeom>
+        </p:spPr>
+      </p:pic>
+      <p:pic>
+        <p:nvPicPr>
+          <p:cNvPr id="232" name="Picture 231">
+            <a:extLst>
+              <a:ext uri="{FF2B5EF4-FFF2-40B4-BE49-F238E27FC236}">
+                <a16:creationId xmlns:a16="http://schemas.microsoft.com/office/drawing/2014/main" id="{7ADBF49C-47B0-4240-BE49-AEF1067A72BC}"/>
+              </a:ext>
+            </a:extLst>
+          </p:cNvPr>
+          <p:cNvPicPr>
+            <a:picLocks noChangeAspect="1"/>
+          </p:cNvPicPr>
+          <p:nvPr/>
+        </p:nvPicPr>
+        <p:blipFill>
+          <a:blip r:embed="rId19"/>
+          <a:stretch>
+            <a:fillRect/>
+          </a:stretch>
+        </p:blipFill>
+        <p:spPr>
+          <a:xfrm>
+            <a:off x="18469247" y="23412699"/>
+            <a:ext cx="1463788" cy="658931"/>
+          </a:xfrm>
+          <a:prstGeom prst="rect">
+            <a:avLst/>
+          </a:prstGeom>
+        </p:spPr>
+      </p:pic>
+      <p:sp>
+        <p:nvSpPr>
+          <p:cNvPr id="2110" name="TextBox 2109">
+            <a:extLst>
+              <a:ext uri="{FF2B5EF4-FFF2-40B4-BE49-F238E27FC236}">
+                <a16:creationId xmlns:a16="http://schemas.microsoft.com/office/drawing/2014/main" id="{A5267CFD-C024-4A37-90DA-DC892D7BEEC2}"/>
+              </a:ext>
+            </a:extLst>
+          </p:cNvPr>
+          <p:cNvSpPr txBox="1"/>
+          <p:nvPr/>
+        </p:nvSpPr>
+        <p:spPr>
+          <a:xfrm>
+            <a:off x="1412029" y="18599260"/>
+            <a:ext cx="9242097" cy="3539430"/>
+          </a:xfrm>
+          <a:prstGeom prst="rect">
+            <a:avLst/>
+          </a:prstGeom>
+          <a:noFill/>
+        </p:spPr>
+        <p:txBody>
+          <a:bodyPr wrap="square" rtlCol="0">
+            <a:spAutoFit/>
+          </a:bodyPr>
+          <a:lstStyle/>
+          <a:p>
+            <a:r>
+              <a:rPr lang="en-IE" sz="3200" dirty="0"/>
+              <a:t>To evaluate the security level of IoT based smart home by conducting an online survey which consists of several security questions that determine the level of security in a smart home environment. </a:t>
+            </a:r>
+          </a:p>
+          <a:p>
+            <a:r>
+              <a:rPr lang="en-IE" sz="3200" dirty="0"/>
+              <a:t>Some example questions:</a:t>
+            </a:r>
+          </a:p>
+          <a:p>
+            <a:r>
+              <a:rPr lang="en-IE" sz="3200" dirty="0"/>
+              <a:t>1- What type of encryption used on Wi-Fi?</a:t>
+            </a:r>
+          </a:p>
+          <a:p>
+            <a:r>
+              <a:rPr lang="en-IE" sz="3200" dirty="0"/>
+              <a:t>2- Have you upgrade your IoT devices? 	</a:t>
+            </a:r>
+          </a:p>
+        </p:txBody>
+      </p:sp>
+      <p:sp>
+        <p:nvSpPr>
+          <p:cNvPr id="73" name="TextBox 72">
+            <a:extLst>
+              <a:ext uri="{FF2B5EF4-FFF2-40B4-BE49-F238E27FC236}">
+                <a16:creationId xmlns:a16="http://schemas.microsoft.com/office/drawing/2014/main" id="{16BB1278-05E4-4A3C-9634-D03243CC257D}"/>
+              </a:ext>
+            </a:extLst>
+          </p:cNvPr>
+          <p:cNvSpPr txBox="1"/>
+          <p:nvPr/>
+        </p:nvSpPr>
+        <p:spPr>
+          <a:xfrm>
+            <a:off x="823454" y="17783535"/>
+            <a:ext cx="4365512" cy="646331"/>
+          </a:xfrm>
+          <a:prstGeom prst="rect">
+            <a:avLst/>
+          </a:prstGeom>
+          <a:noFill/>
+        </p:spPr>
+        <p:txBody>
+          <a:bodyPr wrap="square" rtlCol="0">
+            <a:spAutoFit/>
+          </a:bodyPr>
+          <a:lstStyle/>
+          <a:p>
+            <a:pPr algn="ctr"/>
+            <a:r>
+              <a:rPr lang="en-IE" sz="3600" b="1" dirty="0">
+                <a:solidFill>
+                  <a:srgbClr val="D31245"/>
+                </a:solidFill>
+              </a:rPr>
+              <a:t>Online Survey:</a:t>
+            </a:r>
+          </a:p>
+        </p:txBody>
+      </p:sp>
+      <p:pic>
+        <p:nvPicPr>
+          <p:cNvPr id="25" name="Picture 24">
+            <a:extLst>
+              <a:ext uri="{FF2B5EF4-FFF2-40B4-BE49-F238E27FC236}">
+                <a16:creationId xmlns:a16="http://schemas.microsoft.com/office/drawing/2014/main" id="{5A3580AC-F325-4078-9DC7-2E2BFE53059B}"/>
+              </a:ext>
+            </a:extLst>
+          </p:cNvPr>
+          <p:cNvPicPr>
+            <a:picLocks noChangeAspect="1"/>
+          </p:cNvPicPr>
+          <p:nvPr/>
+        </p:nvPicPr>
+        <p:blipFill>
+          <a:blip r:embed="rId20"/>
+          <a:stretch>
+            <a:fillRect/>
+          </a:stretch>
+        </p:blipFill>
+        <p:spPr>
+          <a:xfrm>
+            <a:off x="11730101" y="18363664"/>
+            <a:ext cx="8201025" cy="3878942"/>
           </a:xfrm>
           <a:prstGeom prst="rect">
             <a:avLst/>

--- a/Poster.pptx
+++ b/Poster.pptx
@@ -216,7 +216,7 @@
             <a:fld id="{B10DFA1A-A6DC-49FE-AC90-AF8DDE39D246}" type="datetimeFigureOut">
               <a:rPr lang="en-IE" smtClean="0"/>
               <a:pPr/>
-              <a:t>28/03/2020</a:t>
+              <a:t>29/03/2020</a:t>
             </a:fld>
             <a:endParaRPr lang="en-IE" dirty="0"/>
           </a:p>
@@ -761,7 +761,7 @@
             <a:fld id="{B0453847-E237-403E-9063-D190CF7239DC}" type="datetimeFigureOut">
               <a:rPr lang="en-IE" smtClean="0"/>
               <a:pPr/>
-              <a:t>28/03/2020</a:t>
+              <a:t>29/03/2020</a:t>
             </a:fld>
             <a:endParaRPr lang="en-IE" dirty="0"/>
           </a:p>
@@ -928,7 +928,7 @@
             <a:fld id="{B0453847-E237-403E-9063-D190CF7239DC}" type="datetimeFigureOut">
               <a:rPr lang="en-IE" smtClean="0"/>
               <a:pPr/>
-              <a:t>28/03/2020</a:t>
+              <a:t>29/03/2020</a:t>
             </a:fld>
             <a:endParaRPr lang="en-IE" dirty="0"/>
           </a:p>
@@ -1105,7 +1105,7 @@
             <a:fld id="{B0453847-E237-403E-9063-D190CF7239DC}" type="datetimeFigureOut">
               <a:rPr lang="en-IE" smtClean="0"/>
               <a:pPr/>
-              <a:t>28/03/2020</a:t>
+              <a:t>29/03/2020</a:t>
             </a:fld>
             <a:endParaRPr lang="en-IE" dirty="0"/>
           </a:p>
@@ -1272,7 +1272,7 @@
             <a:fld id="{B0453847-E237-403E-9063-D190CF7239DC}" type="datetimeFigureOut">
               <a:rPr lang="en-IE" smtClean="0"/>
               <a:pPr/>
-              <a:t>28/03/2020</a:t>
+              <a:t>29/03/2020</a:t>
             </a:fld>
             <a:endParaRPr lang="en-IE" dirty="0"/>
           </a:p>
@@ -1515,7 +1515,7 @@
             <a:fld id="{B0453847-E237-403E-9063-D190CF7239DC}" type="datetimeFigureOut">
               <a:rPr lang="en-IE" smtClean="0"/>
               <a:pPr/>
-              <a:t>28/03/2020</a:t>
+              <a:t>29/03/2020</a:t>
             </a:fld>
             <a:endParaRPr lang="en-IE" dirty="0"/>
           </a:p>
@@ -1800,7 +1800,7 @@
             <a:fld id="{B0453847-E237-403E-9063-D190CF7239DC}" type="datetimeFigureOut">
               <a:rPr lang="en-IE" smtClean="0"/>
               <a:pPr/>
-              <a:t>28/03/2020</a:t>
+              <a:t>29/03/2020</a:t>
             </a:fld>
             <a:endParaRPr lang="en-IE" dirty="0"/>
           </a:p>
@@ -2219,7 +2219,7 @@
             <a:fld id="{B0453847-E237-403E-9063-D190CF7239DC}" type="datetimeFigureOut">
               <a:rPr lang="en-IE" smtClean="0"/>
               <a:pPr/>
-              <a:t>28/03/2020</a:t>
+              <a:t>29/03/2020</a:t>
             </a:fld>
             <a:endParaRPr lang="en-IE" dirty="0"/>
           </a:p>
@@ -2334,7 +2334,7 @@
             <a:fld id="{B0453847-E237-403E-9063-D190CF7239DC}" type="datetimeFigureOut">
               <a:rPr lang="en-IE" smtClean="0"/>
               <a:pPr/>
-              <a:t>28/03/2020</a:t>
+              <a:t>29/03/2020</a:t>
             </a:fld>
             <a:endParaRPr lang="en-IE" dirty="0"/>
           </a:p>
@@ -2426,7 +2426,7 @@
             <a:fld id="{B0453847-E237-403E-9063-D190CF7239DC}" type="datetimeFigureOut">
               <a:rPr lang="en-IE" smtClean="0"/>
               <a:pPr/>
-              <a:t>28/03/2020</a:t>
+              <a:t>29/03/2020</a:t>
             </a:fld>
             <a:endParaRPr lang="en-IE" dirty="0"/>
           </a:p>
@@ -2700,7 +2700,7 @@
             <a:fld id="{B0453847-E237-403E-9063-D190CF7239DC}" type="datetimeFigureOut">
               <a:rPr lang="en-IE" smtClean="0"/>
               <a:pPr/>
-              <a:t>28/03/2020</a:t>
+              <a:t>29/03/2020</a:t>
             </a:fld>
             <a:endParaRPr lang="en-IE" dirty="0"/>
           </a:p>
@@ -2950,7 +2950,7 @@
             <a:fld id="{B0453847-E237-403E-9063-D190CF7239DC}" type="datetimeFigureOut">
               <a:rPr lang="en-IE" smtClean="0"/>
               <a:pPr/>
-              <a:t>28/03/2020</a:t>
+              <a:t>29/03/2020</a:t>
             </a:fld>
             <a:endParaRPr lang="en-IE" dirty="0"/>
           </a:p>
@@ -3160,7 +3160,7 @@
             <a:fld id="{B0453847-E237-403E-9063-D190CF7239DC}" type="datetimeFigureOut">
               <a:rPr lang="en-IE" smtClean="0"/>
               <a:pPr/>
-              <a:t>28/03/2020</a:t>
+              <a:t>29/03/2020</a:t>
             </a:fld>
             <a:endParaRPr lang="en-IE" dirty="0"/>
           </a:p>
@@ -4238,8 +4238,8 @@
         </p:nvSpPr>
         <p:spPr>
           <a:xfrm>
-            <a:off x="11388853" y="17724459"/>
-            <a:ext cx="8500266" cy="646331"/>
+            <a:off x="11359441" y="17693932"/>
+            <a:ext cx="8857771" cy="646331"/>
           </a:xfrm>
           <a:prstGeom prst="rect">
             <a:avLst/>
@@ -4259,7 +4259,7 @@
                   <a:srgbClr val="D31245"/>
                 </a:solidFill>
               </a:rPr>
-              <a:t>Designing smart home using packet tracer:</a:t>
+              <a:t>The smart home simulation in packet tracer:</a:t>
             </a:r>
           </a:p>
         </p:txBody>
@@ -6051,10 +6051,10 @@
       </p:sp>
       <p:pic>
         <p:nvPicPr>
-          <p:cNvPr id="25" name="Picture 24">
+          <p:cNvPr id="2" name="Picture 1">
             <a:extLst>
               <a:ext uri="{FF2B5EF4-FFF2-40B4-BE49-F238E27FC236}">
-                <a16:creationId xmlns:a16="http://schemas.microsoft.com/office/drawing/2014/main" id="{5A3580AC-F325-4078-9DC7-2E2BFE53059B}"/>
+                <a16:creationId xmlns:a16="http://schemas.microsoft.com/office/drawing/2014/main" id="{0CC7F211-43E1-4043-A40C-981B6B3C8192}"/>
               </a:ext>
             </a:extLst>
           </p:cNvPr>
@@ -6071,8 +6071,8 @@
         </p:blipFill>
         <p:spPr>
           <a:xfrm>
-            <a:off x="11730101" y="18363664"/>
-            <a:ext cx="8201025" cy="3878942"/>
+            <a:off x="11681126" y="18346745"/>
+            <a:ext cx="8353425" cy="4058656"/>
           </a:xfrm>
           <a:prstGeom prst="rect">
             <a:avLst/>

--- a/Poster.pptx
+++ b/Poster.pptx
@@ -3539,7 +3539,7 @@
         </p:nvGrpSpPr>
         <p:grpSpPr>
           <a:xfrm>
-            <a:off x="863673" y="4396874"/>
+            <a:off x="863673" y="4377090"/>
             <a:ext cx="19353539" cy="3518276"/>
             <a:chOff x="1241914" y="6446949"/>
             <a:chExt cx="28947216" cy="2810013"/>
@@ -3639,7 +3639,7 @@
         </p:nvSpPr>
         <p:spPr>
           <a:xfrm>
-            <a:off x="4534481" y="691306"/>
+            <a:off x="4534481" y="791290"/>
             <a:ext cx="11218092" cy="1754326"/>
           </a:xfrm>
           <a:prstGeom prst="rect">
@@ -3674,7 +3674,7 @@
         </p:nvSpPr>
         <p:spPr>
           <a:xfrm>
-            <a:off x="3031722" y="2418294"/>
+            <a:off x="3032706" y="2556692"/>
             <a:ext cx="13300745" cy="1323439"/>
           </a:xfrm>
           <a:prstGeom prst="rect">
@@ -3754,8 +3754,8 @@
         </p:nvSpPr>
         <p:spPr>
           <a:xfrm>
-            <a:off x="1063584" y="22785818"/>
-            <a:ext cx="19397325" cy="1495905"/>
+            <a:off x="977598" y="22785818"/>
+            <a:ext cx="19483312" cy="1495905"/>
           </a:xfrm>
           <a:prstGeom prst="roundRect">
             <a:avLst/>
@@ -3849,7 +3849,7 @@
         </p:nvSpPr>
         <p:spPr>
           <a:xfrm>
-            <a:off x="915168" y="8223128"/>
+            <a:off x="904305" y="8202802"/>
             <a:ext cx="19333301" cy="9109746"/>
           </a:xfrm>
           <a:prstGeom prst="roundRect">
@@ -3895,10 +3895,10 @@
         </p:nvGrpSpPr>
         <p:grpSpPr>
           <a:xfrm>
-            <a:off x="11246198" y="27101979"/>
-            <a:ext cx="9136484" cy="2770741"/>
+            <a:off x="11247097" y="27544653"/>
+            <a:ext cx="9136484" cy="2671308"/>
             <a:chOff x="18267527" y="39561076"/>
-            <a:chExt cx="10009115" cy="4352609"/>
+            <a:chExt cx="10009115" cy="4196408"/>
           </a:xfrm>
         </p:grpSpPr>
         <p:sp>
@@ -3948,7 +3948,7 @@
           </p:nvSpPr>
           <p:spPr>
             <a:xfrm>
-              <a:off x="18267527" y="40674289"/>
+              <a:off x="18267527" y="40518088"/>
               <a:ext cx="10009115" cy="3239396"/>
             </a:xfrm>
             <a:prstGeom prst="rect">
@@ -3981,10 +3981,10 @@
         </p:nvGrpSpPr>
         <p:grpSpPr>
           <a:xfrm>
-            <a:off x="977596" y="24547684"/>
-            <a:ext cx="19483313" cy="2492001"/>
+            <a:off x="977597" y="24547679"/>
+            <a:ext cx="19483312" cy="2958445"/>
             <a:chOff x="1228093" y="37518368"/>
-            <a:chExt cx="29409787" cy="2313055"/>
+            <a:chExt cx="29409787" cy="2819723"/>
           </a:xfrm>
         </p:grpSpPr>
         <p:sp>
@@ -3996,7 +3996,7 @@
           <p:spPr>
             <a:xfrm>
               <a:off x="1228093" y="37518368"/>
-              <a:ext cx="29409787" cy="2313055"/>
+              <a:ext cx="29409787" cy="2797064"/>
             </a:xfrm>
             <a:prstGeom prst="roundRect">
               <a:avLst/>
@@ -4043,8 +4043,8 @@
           </p:nvSpPr>
           <p:spPr>
             <a:xfrm>
-              <a:off x="1538030" y="38213023"/>
-              <a:ext cx="28731993" cy="1456946"/>
+              <a:off x="1538030" y="38099808"/>
+              <a:ext cx="28731993" cy="2238283"/>
             </a:xfrm>
             <a:prstGeom prst="rect">
               <a:avLst/>
@@ -4066,14 +4066,19 @@
                 <a:buChar char="•"/>
               </a:pPr>
               <a:r>
-                <a:rPr lang="en-IE" sz="3200" dirty="0">
+                <a:rPr lang="en-IE" dirty="0">
                   <a:solidFill>
                     <a:schemeClr val="bg1"/>
                   </a:solidFill>
-                  <a:cs typeface="Times New Roman" pitchFamily="18" charset="0"/>
                 </a:rPr>
-                <a:t>Data confidentiality, integrity, and availability are three basic security concerns from the end-user point-of-view. The goal of this project is to evaluate and identify the vulnerabilities of a network based on IoT smart home devices and a useful tool to fix and minimise the vulnerabilities using a survey.</a:t>
+                <a:t>Data confidentiality, integrity, and availability are three basic security concerns from the end-user point-of-view. To evaluate and audit the security level of IoT network-based smart home, we are conducting an online survey that consists of several security questions to determine the level of security in a smart home environment. while users answer the questions, the result will determine the level of security within their IoT network which can help us to come up with a solution to secure their smart home.</a:t>
               </a:r>
+              <a:endParaRPr lang="en-IE" sz="3200" dirty="0">
+                <a:solidFill>
+                  <a:schemeClr val="bg1"/>
+                </a:solidFill>
+                <a:cs typeface="Times New Roman" pitchFamily="18" charset="0"/>
+              </a:endParaRPr>
             </a:p>
           </p:txBody>
         </p:sp>
@@ -4151,7 +4156,7 @@
         </p:nvSpPr>
         <p:spPr>
           <a:xfrm>
-            <a:off x="734175" y="27742212"/>
+            <a:off x="734174" y="27982746"/>
             <a:ext cx="10024679" cy="2533001"/>
           </a:xfrm>
           <a:prstGeom prst="rect">
@@ -4205,7 +4210,7 @@
         </p:nvSpPr>
         <p:spPr>
           <a:xfrm>
-            <a:off x="977596" y="27084829"/>
+            <a:off x="1063584" y="27503917"/>
             <a:ext cx="3627977" cy="646331"/>
           </a:xfrm>
           <a:prstGeom prst="rect">
@@ -4311,7 +4316,7 @@
         </p:nvSpPr>
         <p:spPr>
           <a:xfrm>
-            <a:off x="1331343" y="5203404"/>
+            <a:off x="1331342" y="5085005"/>
             <a:ext cx="18202789" cy="2554545"/>
           </a:xfrm>
           <a:prstGeom prst="rect">
@@ -4959,7 +4964,7 @@
         </p:nvSpPr>
         <p:spPr>
           <a:xfrm>
-            <a:off x="14596879" y="8585225"/>
+            <a:off x="14641085" y="8582282"/>
             <a:ext cx="4392611" cy="1897186"/>
           </a:xfrm>
           <a:prstGeom prst="rect">
@@ -5783,8 +5788,8 @@
         </p:blipFill>
         <p:spPr>
           <a:xfrm>
-            <a:off x="8553902" y="23361029"/>
-            <a:ext cx="1491540" cy="671210"/>
+            <a:off x="8553902" y="23421175"/>
+            <a:ext cx="1491540" cy="611063"/>
           </a:xfrm>
           <a:prstGeom prst="rect">
             <a:avLst/>
@@ -5805,7 +5810,7 @@
         </p:nvSpPr>
         <p:spPr>
           <a:xfrm>
-            <a:off x="11475523" y="22832023"/>
+            <a:off x="10976686" y="22795126"/>
             <a:ext cx="2397983" cy="646331"/>
           </a:xfrm>
           <a:prstGeom prst="rect">
@@ -5858,8 +5863,8 @@
         </p:blipFill>
         <p:spPr>
           <a:xfrm>
-            <a:off x="11730101" y="23395553"/>
-            <a:ext cx="1329369" cy="707293"/>
+            <a:off x="11109658" y="23437939"/>
+            <a:ext cx="1329369" cy="682707"/>
           </a:xfrm>
           <a:prstGeom prst="rect">
             <a:avLst/>
@@ -5888,8 +5893,8 @@
         </p:blipFill>
         <p:spPr>
           <a:xfrm>
-            <a:off x="16406987" y="23417618"/>
-            <a:ext cx="1534386" cy="675091"/>
+            <a:off x="17359100" y="23420139"/>
+            <a:ext cx="1300559" cy="675091"/>
           </a:xfrm>
           <a:prstGeom prst="rect">
             <a:avLst/>
@@ -5918,8 +5923,8 @@
         </p:blipFill>
         <p:spPr>
           <a:xfrm>
-            <a:off x="14001727" y="23416001"/>
-            <a:ext cx="1856112" cy="707261"/>
+            <a:off x="12993312" y="23434624"/>
+            <a:ext cx="1705917" cy="707261"/>
           </a:xfrm>
           <a:prstGeom prst="rect">
             <a:avLst/>
@@ -5948,8 +5953,8 @@
         </p:blipFill>
         <p:spPr>
           <a:xfrm>
-            <a:off x="18469247" y="23412699"/>
-            <a:ext cx="1463788" cy="658931"/>
+            <a:off x="18957493" y="23413921"/>
+            <a:ext cx="1153277" cy="658931"/>
           </a:xfrm>
           <a:prstGeom prst="rect">
             <a:avLst/>
@@ -5970,8 +5975,8 @@
         </p:nvSpPr>
         <p:spPr>
           <a:xfrm>
-            <a:off x="1412029" y="18599260"/>
-            <a:ext cx="9242097" cy="3539430"/>
+            <a:off x="1371420" y="18402042"/>
+            <a:ext cx="9242097" cy="3949414"/>
           </a:xfrm>
           <a:prstGeom prst="rect">
             <a:avLst/>
@@ -5997,14 +6002,24 @@
           </a:p>
           <a:p>
             <a:r>
+              <a:rPr lang="en-IE" dirty="0"/>
+              <a:t>What type of encryption used on Wi-Fi?</a:t>
+            </a:r>
+          </a:p>
+          <a:p>
+            <a:r>
+              <a:rPr lang="en-IE" dirty="0"/>
+              <a:t>Have you changed the default setting on IoT devices?</a:t>
+            </a:r>
+          </a:p>
+          <a:p>
+            <a:r>
+              <a:rPr lang="en-IE" dirty="0"/>
+              <a:t>Have you set a strong password on IoT network devices?</a:t>
+            </a:r>
+            <a:r>
               <a:rPr lang="en-IE" sz="3200" dirty="0"/>
-              <a:t>1- What type of encryption used on Wi-Fi?</a:t>
-            </a:r>
-          </a:p>
-          <a:p>
-            <a:r>
-              <a:rPr lang="en-IE" sz="3200" dirty="0"/>
-              <a:t>2- Have you upgrade your IoT devices? 	</a:t>
+              <a:t>	</a:t>
             </a:r>
           </a:p>
         </p:txBody>
@@ -6072,7 +6087,37 @@
         <p:spPr>
           <a:xfrm>
             <a:off x="11681126" y="18346745"/>
-            <a:ext cx="8353425" cy="4058656"/>
+            <a:ext cx="8353425" cy="3938677"/>
+          </a:xfrm>
+          <a:prstGeom prst="rect">
+            <a:avLst/>
+          </a:prstGeom>
+        </p:spPr>
+      </p:pic>
+      <p:pic>
+        <p:nvPicPr>
+          <p:cNvPr id="12" name="Picture 11">
+            <a:extLst>
+              <a:ext uri="{FF2B5EF4-FFF2-40B4-BE49-F238E27FC236}">
+                <a16:creationId xmlns:a16="http://schemas.microsoft.com/office/drawing/2014/main" id="{03F778A3-8F37-478E-8601-4E1421757167}"/>
+              </a:ext>
+            </a:extLst>
+          </p:cNvPr>
+          <p:cNvPicPr>
+            <a:picLocks noChangeAspect="1"/>
+          </p:cNvPicPr>
+          <p:nvPr/>
+        </p:nvPicPr>
+        <p:blipFill>
+          <a:blip r:embed="rId21"/>
+          <a:stretch>
+            <a:fillRect/>
+          </a:stretch>
+        </p:blipFill>
+        <p:spPr>
+          <a:xfrm>
+            <a:off x="15350968" y="23485734"/>
+            <a:ext cx="1710298" cy="587118"/>
           </a:xfrm>
           <a:prstGeom prst="rect">
             <a:avLst/>
